--- a/Courses/Software-Sciences/Module-2-DS-and-Algo-New/06.1-String-Processing-Basics/06.1-String-Processing-Basics.pptx
+++ b/Courses/Software-Sciences/Module-2-DS-and-Algo-New/06.1-String-Processing-Basics/06.1-String-Processing-Basics.pptx
@@ -285,7 +285,7 @@
             </a:lvl1pPr>
           </a:lstStyle>
           <a:p>
-            <a:endParaRPr lang="bg-BG"/>
+            <a:endParaRPr lang="bg-BG" dirty="0"/>
           </a:p>
         </p:txBody>
       </p:sp>
@@ -324,9 +324,9 @@
           <a:p>
             <a:fld id="{4E087215-0C8F-4762-A664-737A353EC9A4}" type="datetimeFigureOut">
               <a:rPr lang="bg-BG" smtClean="0"/>
-              <a:t>20.02.23 г.</a:t>
+              <a:t>6.7.2023 г.</a:t>
             </a:fld>
-            <a:endParaRPr lang="bg-BG"/>
+            <a:endParaRPr lang="bg-BG" dirty="0"/>
           </a:p>
         </p:txBody>
       </p:sp>
@@ -482,7 +482,7 @@
             </a:lvl1pPr>
           </a:lstStyle>
           <a:p>
-            <a:endParaRPr lang="en-US"/>
+            <a:endParaRPr lang="en-US" dirty="0"/>
           </a:p>
         </p:txBody>
       </p:sp>
@@ -515,9 +515,9 @@
           <a:p>
             <a:fld id="{72D84649-876A-46C9-8472-14CB09C070D8}" type="datetimeFigureOut">
               <a:rPr lang="en-US" smtClean="0"/>
-              <a:t>2/20/23</a:t>
+              <a:t>7/6/2023</a:t>
             </a:fld>
-            <a:endParaRPr lang="en-US"/>
+            <a:endParaRPr lang="en-US" dirty="0"/>
           </a:p>
         </p:txBody>
       </p:sp>
@@ -550,7 +550,7 @@
           <a:bodyPr vert="horz" lIns="91440" tIns="45720" rIns="91440" bIns="45720" rtlCol="0" anchor="ctr"/>
           <a:lstStyle/>
           <a:p>
-            <a:endParaRPr lang="en-US"/>
+            <a:endParaRPr lang="en-US" dirty="0"/>
           </a:p>
         </p:txBody>
       </p:sp>
@@ -889,20 +889,19 @@
           <a:lstStyle/>
           <a:p>
             <a:r>
-              <a:rPr lang="en-US"/>
+              <a:rPr lang="en-US" dirty="0"/>
               <a:t>© SoftUni – </a:t>
             </a:r>
             <a:r>
-              <a:rPr lang="en-US" u="sng">
+              <a:rPr lang="en-US" u="sng" dirty="0">
                 <a:hlinkClick r:id="rId3"/>
               </a:rPr>
               <a:t>https://softuni.org</a:t>
             </a:r>
             <a:r>
-              <a:rPr lang="en-US"/>
+              <a:rPr lang="en-US" dirty="0"/>
               <a:t>. Copyrighted document. Unauthorized copy or reproduction is not permitted.</a:t>
             </a:r>
-            <a:endParaRPr lang="en-US" dirty="0"/>
           </a:p>
         </p:txBody>
       </p:sp>
@@ -1098,7 +1097,7 @@
           <a:bodyPr/>
           <a:lstStyle/>
           <a:p>
-            <a:endParaRPr lang="en-US"/>
+            <a:endParaRPr lang="en-US" dirty="0"/>
           </a:p>
         </p:txBody>
       </p:sp>
@@ -1228,7 +1227,7 @@
               <a:pPr/>
               <a:t>32</a:t>
             </a:fld>
-            <a:endParaRPr lang="en-US"/>
+            <a:endParaRPr lang="en-US" dirty="0"/>
           </a:p>
         </p:txBody>
       </p:sp>
@@ -1266,17 +1265,17 @@
           </a:lstStyle>
           <a:p>
             <a:r>
-              <a:rPr lang="en-US"/>
+              <a:rPr lang="en-US" dirty="0"/>
               <a:t>© SoftUni – </a:t>
             </a:r>
             <a:r>
-              <a:rPr lang="en-US" u="sng">
+              <a:rPr lang="en-US" u="sng" dirty="0">
                 <a:hlinkClick r:id="rId3"/>
               </a:rPr>
               <a:t>https://softuni.org</a:t>
             </a:r>
             <a:r>
-              <a:rPr lang="en-US"/>
+              <a:rPr lang="en-US" dirty="0"/>
               <a:t>. Copyrighted document. Unauthorized copy or reproduction is not permitted.</a:t>
             </a:r>
           </a:p>
@@ -1339,7 +1338,7 @@
           <a:bodyPr/>
           <a:lstStyle/>
           <a:p>
-            <a:endParaRPr lang="en-US"/>
+            <a:endParaRPr lang="en-US" dirty="0"/>
           </a:p>
         </p:txBody>
       </p:sp>
@@ -1469,7 +1468,7 @@
               <a:pPr/>
               <a:t>33</a:t>
             </a:fld>
-            <a:endParaRPr lang="en-US"/>
+            <a:endParaRPr lang="en-US" dirty="0"/>
           </a:p>
         </p:txBody>
       </p:sp>
@@ -1507,17 +1506,17 @@
           </a:lstStyle>
           <a:p>
             <a:r>
-              <a:rPr lang="en-US"/>
+              <a:rPr lang="en-US" dirty="0"/>
               <a:t>© SoftUni – </a:t>
             </a:r>
             <a:r>
-              <a:rPr lang="en-US" u="sng">
+              <a:rPr lang="en-US" u="sng" dirty="0">
                 <a:hlinkClick r:id="rId3"/>
               </a:rPr>
               <a:t>https://softuni.org</a:t>
             </a:r>
             <a:r>
-              <a:rPr lang="en-US"/>
+              <a:rPr lang="en-US" dirty="0"/>
               <a:t>. Copyrighted document. Unauthorized copy or reproduction is not permitted.</a:t>
             </a:r>
           </a:p>
@@ -1617,7 +1616,7 @@
               <a:tabLst/>
               <a:defRPr/>
             </a:pPr>
-            <a:endParaRPr kumimoji="0" lang="en-US" altLang="ko-KR" sz="2398" b="0" i="0" u="none" strike="noStrike" kern="1200" cap="none" spc="0" normalizeH="0" baseline="0" noProof="0">
+            <a:endParaRPr kumimoji="0" lang="en-US" altLang="ko-KR" sz="2398" b="0" i="0" u="none" strike="noStrike" kern="1200" cap="none" spc="0" normalizeH="0" baseline="0" noProof="0" dirty="0">
               <a:ln>
                 <a:noFill/>
               </a:ln>
@@ -2246,7 +2245,7 @@
               <a:tabLst/>
               <a:defRPr/>
             </a:pPr>
-            <a:endParaRPr kumimoji="0" lang="en-US" altLang="ko-KR" sz="2398" b="0" i="0" u="none" strike="noStrike" kern="1200" cap="none" spc="0" normalizeH="0" baseline="0" noProof="0">
+            <a:endParaRPr kumimoji="0" lang="en-US" altLang="ko-KR" sz="2398" b="0" i="0" u="none" strike="noStrike" kern="1200" cap="none" spc="0" normalizeH="0" baseline="0" noProof="0" dirty="0">
               <a:ln>
                 <a:noFill/>
               </a:ln>
@@ -2369,7 +2368,7 @@
               <a:tabLst/>
               <a:defRPr/>
             </a:pPr>
-            <a:endParaRPr kumimoji="0" lang="en-US" altLang="ko-KR" sz="2398" b="0" i="0" u="none" strike="noStrike" kern="1200" cap="none" spc="0" normalizeH="0" baseline="0" noProof="0">
+            <a:endParaRPr kumimoji="0" lang="en-US" altLang="ko-KR" sz="2398" b="0" i="0" u="none" strike="noStrike" kern="1200" cap="none" spc="0" normalizeH="0" baseline="0" noProof="0" dirty="0">
               <a:ln>
                 <a:noFill/>
               </a:ln>
@@ -2642,7 +2641,7 @@
               <a:tabLst/>
               <a:defRPr/>
             </a:pPr>
-            <a:endParaRPr kumimoji="0" lang="en-US" altLang="ko-KR" sz="2398" b="0" i="0" u="none" strike="noStrike" kern="1200" cap="none" spc="0" normalizeH="0" baseline="0" noProof="0">
+            <a:endParaRPr kumimoji="0" lang="en-US" altLang="ko-KR" sz="2398" b="0" i="0" u="none" strike="noStrike" kern="1200" cap="none" spc="0" normalizeH="0" baseline="0" noProof="0" dirty="0">
               <a:ln>
                 <a:noFill/>
               </a:ln>
@@ -2828,7 +2827,7 @@
               <a:pPr/>
               <a:t>‹#›</a:t>
             </a:fld>
-            <a:endParaRPr lang="en-US" noProof="0"/>
+            <a:endParaRPr lang="en-US" noProof="0" dirty="0"/>
           </a:p>
         </p:txBody>
       </p:sp>
@@ -2982,7 +2981,7 @@
           </a:lstStyle>
           <a:p>
             <a:r>
-              <a:rPr lang="en-US" altLang="ko-KR" noProof="0"/>
+              <a:rPr lang="en-US" altLang="ko-KR" noProof="0" dirty="0"/>
               <a:t>Your Picture Here</a:t>
             </a:r>
           </a:p>
@@ -3046,7 +3045,7 @@
               <a:tabLst/>
               <a:defRPr/>
             </a:pPr>
-            <a:endParaRPr kumimoji="0" lang="en-US" altLang="ko-KR" sz="2398" b="0" i="0" u="none" strike="noStrike" kern="1200" cap="none" spc="0" normalizeH="0" baseline="0" noProof="0">
+            <a:endParaRPr kumimoji="0" lang="en-US" altLang="ko-KR" sz="2398" b="0" i="0" u="none" strike="noStrike" kern="1200" cap="none" spc="0" normalizeH="0" baseline="0" noProof="0" dirty="0">
               <a:ln>
                 <a:noFill/>
               </a:ln>
@@ -3121,7 +3120,7 @@
               <a:tabLst/>
               <a:defRPr/>
             </a:pPr>
-            <a:endParaRPr kumimoji="0" lang="en-US" altLang="ko-KR" sz="2398" b="0" i="0" u="none" strike="noStrike" kern="1200" cap="none" spc="0" normalizeH="0" baseline="0" noProof="0">
+            <a:endParaRPr kumimoji="0" lang="en-US" altLang="ko-KR" sz="2398" b="0" i="0" u="none" strike="noStrike" kern="1200" cap="none" spc="0" normalizeH="0" baseline="0" noProof="0" dirty="0">
               <a:ln>
                 <a:noFill/>
               </a:ln>
@@ -3202,7 +3201,7 @@
               <a:tabLst/>
               <a:defRPr/>
             </a:pPr>
-            <a:endParaRPr kumimoji="0" lang="en-US" altLang="ko-KR" sz="2398" b="0" i="0" u="none" strike="noStrike" kern="1200" cap="none" spc="0" normalizeH="0" baseline="0" noProof="0">
+            <a:endParaRPr kumimoji="0" lang="en-US" altLang="ko-KR" sz="2398" b="0" i="0" u="none" strike="noStrike" kern="1200" cap="none" spc="0" normalizeH="0" baseline="0" noProof="0" dirty="0">
               <a:ln>
                 <a:noFill/>
               </a:ln>
@@ -3283,7 +3282,7 @@
               <a:tabLst/>
               <a:defRPr/>
             </a:pPr>
-            <a:endParaRPr kumimoji="0" lang="en-US" altLang="ko-KR" sz="2398" b="0" i="0" u="none" strike="noStrike" kern="1200" cap="none" spc="0" normalizeH="0" baseline="0" noProof="0">
+            <a:endParaRPr kumimoji="0" lang="en-US" altLang="ko-KR" sz="2398" b="0" i="0" u="none" strike="noStrike" kern="1200" cap="none" spc="0" normalizeH="0" baseline="0" noProof="0" dirty="0">
               <a:ln>
                 <a:noFill/>
               </a:ln>
@@ -3487,7 +3486,7 @@
               <a:tabLst/>
               <a:defRPr/>
             </a:pPr>
-            <a:endParaRPr kumimoji="0" lang="en-US" altLang="ko-KR" sz="2398" b="0" i="0" u="none" strike="noStrike" kern="1200" cap="none" spc="0" normalizeH="0" baseline="0" noProof="0">
+            <a:endParaRPr kumimoji="0" lang="en-US" altLang="ko-KR" sz="2398" b="0" i="0" u="none" strike="noStrike" kern="1200" cap="none" spc="0" normalizeH="0" baseline="0" noProof="0" dirty="0">
               <a:ln>
                 <a:noFill/>
               </a:ln>
@@ -4993,7 +4992,7 @@
               <a:tabLst/>
               <a:defRPr/>
             </a:pPr>
-            <a:endParaRPr kumimoji="0" lang="en-US" altLang="ko-KR" sz="2398" b="0" i="0" u="none" strike="noStrike" kern="1200" cap="none" spc="0" normalizeH="0" baseline="0" noProof="0">
+            <a:endParaRPr kumimoji="0" lang="en-US" altLang="ko-KR" sz="2398" b="0" i="0" u="none" strike="noStrike" kern="1200" cap="none" spc="0" normalizeH="0" baseline="0" noProof="0" dirty="0">
               <a:ln>
                 <a:noFill/>
               </a:ln>
@@ -5321,7 +5320,7 @@
               <a:tabLst/>
               <a:defRPr/>
             </a:pPr>
-            <a:endParaRPr kumimoji="0" lang="en-US" altLang="ko-KR" sz="2398" b="0" i="0" u="none" strike="noStrike" kern="1200" cap="none" spc="0" normalizeH="0" baseline="0" noProof="0">
+            <a:endParaRPr kumimoji="0" lang="en-US" altLang="ko-KR" sz="2398" b="0" i="0" u="none" strike="noStrike" kern="1200" cap="none" spc="0" normalizeH="0" baseline="0" noProof="0" dirty="0">
               <a:ln>
                 <a:noFill/>
               </a:ln>
@@ -5491,7 +5490,7 @@
               <a:pPr/>
               <a:t>‹#›</a:t>
             </a:fld>
-            <a:endParaRPr lang="en-US" noProof="0"/>
+            <a:endParaRPr lang="en-US" noProof="0" dirty="0"/>
           </a:p>
         </p:txBody>
       </p:sp>
@@ -5686,7 +5685,7 @@
               <a:tabLst/>
               <a:defRPr/>
             </a:pPr>
-            <a:endParaRPr kumimoji="0" lang="en-US" altLang="ko-KR" sz="2398" b="0" i="0" u="none" strike="noStrike" kern="1200" cap="none" spc="0" normalizeH="0" baseline="0" noProof="0">
+            <a:endParaRPr kumimoji="0" lang="en-US" altLang="ko-KR" sz="2398" b="0" i="0" u="none" strike="noStrike" kern="1200" cap="none" spc="0" normalizeH="0" baseline="0" noProof="0" dirty="0">
               <a:ln>
                 <a:noFill/>
               </a:ln>
@@ -6947,7 +6946,7 @@
               <a:pPr/>
               <a:t>‹#›</a:t>
             </a:fld>
-            <a:endParaRPr lang="en-US" noProof="0"/>
+            <a:endParaRPr lang="en-US" noProof="0" dirty="0"/>
           </a:p>
         </p:txBody>
       </p:sp>
@@ -7015,7 +7014,7 @@
               <a:tabLst/>
               <a:defRPr/>
             </a:pPr>
-            <a:endParaRPr kumimoji="0" lang="en-US" altLang="ko-KR" sz="2398" b="0" i="0" u="none" strike="noStrike" kern="1200" cap="none" spc="0" normalizeH="0" baseline="0" noProof="0">
+            <a:endParaRPr kumimoji="0" lang="en-US" altLang="ko-KR" sz="2398" b="0" i="0" u="none" strike="noStrike" kern="1200" cap="none" spc="0" normalizeH="0" baseline="0" noProof="0" dirty="0">
               <a:ln>
                 <a:noFill/>
               </a:ln>
@@ -7383,7 +7382,7 @@
               <a:tabLst/>
               <a:defRPr/>
             </a:pPr>
-            <a:endParaRPr kumimoji="0" lang="en-US" altLang="ko-KR" sz="2398" b="0" i="0" u="none" strike="noStrike" kern="1200" cap="none" spc="0" normalizeH="0" baseline="0" noProof="0">
+            <a:endParaRPr kumimoji="0" lang="en-US" altLang="ko-KR" sz="2398" b="0" i="0" u="none" strike="noStrike" kern="1200" cap="none" spc="0" normalizeH="0" baseline="0" noProof="0" dirty="0">
               <a:ln>
                 <a:noFill/>
               </a:ln>
@@ -8048,39 +8047,19 @@
           <a:lstStyle/>
           <a:p>
             <a:r>
-              <a:rPr lang="en-US" sz="3550" err="1"/>
-              <a:t>Маниполиране</a:t>
-            </a:r>
-            <a:r>
               <a:rPr lang="en-US" sz="3550" dirty="0"/>
-              <a:t> </a:t>
-            </a:r>
-            <a:r>
-              <a:rPr lang="en-US" sz="3550" err="1"/>
-              <a:t>на</a:t>
-            </a:r>
-            <a:r>
-              <a:rPr lang="en-US" sz="3550" dirty="0"/>
-              <a:t> </a:t>
-            </a:r>
-            <a:r>
-              <a:rPr lang="en-US" sz="3550" err="1"/>
-              <a:t>низ</a:t>
-            </a:r>
-            <a:endParaRPr lang="bg-BG" sz="3550">
+              <a:t>Маниполиране на низ</a:t>
+            </a:r>
+            <a:endParaRPr lang="bg-BG" sz="3550" dirty="0">
               <a:cs typeface="Calibri"/>
             </a:endParaRPr>
           </a:p>
           <a:p>
             <a:r>
-              <a:rPr lang="en-US" sz="3550" dirty="0" err="1"/>
-              <a:t>чрез</a:t>
-            </a:r>
-            <a:r>
               <a:rPr lang="en-US" sz="3550" dirty="0"/>
-              <a:t> класа.NET String</a:t>
-            </a:r>
-            <a:endParaRPr lang="bg-BG" sz="3550">
+              <a:t>чрез класа.NET String</a:t>
+            </a:r>
+            <a:endParaRPr lang="bg-BG" sz="3550" dirty="0">
               <a:cs typeface="Calibri"/>
             </a:endParaRPr>
           </a:p>
@@ -8115,26 +8094,10 @@
           <a:lstStyle/>
           <a:p>
             <a:r>
-              <a:rPr lang="en-US" sz="5350" dirty="0" err="1"/>
-              <a:t>Низ</a:t>
-            </a:r>
-            <a:r>
               <a:rPr lang="en-US" sz="5350" dirty="0"/>
-              <a:t> и </a:t>
-            </a:r>
-            <a:r>
-              <a:rPr lang="en-US" sz="5350" dirty="0" err="1"/>
-              <a:t>текстови</a:t>
-            </a:r>
-            <a:r>
-              <a:rPr lang="en-US" sz="5350" dirty="0"/>
-              <a:t> </a:t>
-            </a:r>
-            <a:r>
-              <a:rPr lang="en-US" sz="5350" dirty="0" err="1"/>
-              <a:t>операции</a:t>
-            </a:r>
-            <a:endParaRPr lang="bg-BG" sz="5350" dirty="0" err="1"/>
+              <a:t>Низ и текстови операции</a:t>
+            </a:r>
+            <a:endParaRPr lang="bg-BG" sz="5350" dirty="0"/>
           </a:p>
         </p:txBody>
       </p:sp>
@@ -8198,7 +8161,7 @@
           <a:lstStyle/>
           <a:p>
             <a:r>
-              <a:rPr lang="en-US">
+              <a:rPr lang="en-US" dirty="0">
                 <a:hlinkClick r:id="rId2"/>
               </a:rPr>
               <a:t>https://softuni.bg</a:t>
@@ -9066,49 +9029,17 @@
           <a:lstStyle/>
           <a:p>
             <a:r>
-              <a:rPr lang="en-US" sz="3950" dirty="0" err="1"/>
-              <a:t>Решение</a:t>
-            </a:r>
-            <a:r>
               <a:rPr lang="en-US" sz="3950" dirty="0"/>
-              <a:t>: </a:t>
-            </a:r>
-            <a:r>
-              <a:rPr lang="en-US" sz="3950" dirty="0" err="1">
-                <a:ea typeface="+mj-lt"/>
-                <a:cs typeface="+mj-lt"/>
-              </a:rPr>
-              <a:t>Повтаряне</a:t>
+              <a:t>Решение: </a:t>
             </a:r>
             <a:r>
               <a:rPr lang="en-US" sz="3950" dirty="0">
                 <a:ea typeface="+mj-lt"/>
                 <a:cs typeface="+mj-lt"/>
               </a:rPr>
-              <a:t> </a:t>
-            </a:r>
-            <a:r>
-              <a:rPr lang="en-US" sz="3950" dirty="0" err="1">
-                <a:ea typeface="+mj-lt"/>
-                <a:cs typeface="+mj-lt"/>
-              </a:rPr>
-              <a:t>на</a:t>
-            </a:r>
-            <a:r>
-              <a:rPr lang="en-US" sz="3950" dirty="0">
-                <a:ea typeface="+mj-lt"/>
-                <a:cs typeface="+mj-lt"/>
-              </a:rPr>
-              <a:t> </a:t>
-            </a:r>
-            <a:r>
-              <a:rPr lang="en-US" sz="3950" dirty="0" err="1">
-                <a:ea typeface="+mj-lt"/>
-                <a:cs typeface="+mj-lt"/>
-              </a:rPr>
-              <a:t>низове</a:t>
-            </a:r>
-            <a:endParaRPr lang="en-US" sz="3950" dirty="0" err="1"/>
+              <a:t>Повтаряне на низове</a:t>
+            </a:r>
+            <a:endParaRPr lang="en-US" sz="3950" dirty="0"/>
           </a:p>
         </p:txBody>
       </p:sp>
@@ -9384,7 +9315,7 @@
               <a:rPr lang="en-US" sz="1999" dirty="0">
                 <a:hlinkClick r:id="rId2"/>
               </a:rPr>
-              <a:t>https://judge.softuni.org/Contests/Practice/Index/3178#14</a:t>
+              <a:t>https://judge.softuni.org/Contests/Practice/Index/4163#1</a:t>
             </a:r>
             <a:endParaRPr lang="en-US" sz="1999" dirty="0"/>
           </a:p>
@@ -10009,7 +9940,7 @@
           <a:lstStyle/>
           <a:p>
             <a:r>
-              <a:rPr lang="en-GB" sz="3950" dirty="0" err="1"/>
+              <a:rPr lang="en-GB" sz="3950" dirty="0"/>
               <a:t>Търсене</a:t>
             </a:r>
             <a:r>
@@ -10209,14 +10140,10 @@
           <a:p>
             <a:r>
               <a:rPr lang="en-GB" sz="2799" dirty="0"/>
-              <a:t>Console.WriteLine(</a:t>
-            </a:r>
-            <a:r>
-              <a:rPr lang="en-GB" sz="2799" dirty="0" err="1"/>
-              <a:t>fruits.</a:t>
-            </a:r>
-            <a:r>
-              <a:rPr lang="en-GB" sz="2799" dirty="0" err="1">
+              <a:t>Console.WriteLine(fruits.</a:t>
+            </a:r>
+            <a:r>
+              <a:rPr lang="en-GB" sz="2799" dirty="0">
                 <a:solidFill>
                   <a:schemeClr val="bg1"/>
                 </a:solidFill>
@@ -10965,42 +10892,19 @@
               <a:t> – </a:t>
             </a:r>
             <a:r>
-              <a:rPr lang="en-US" sz="3600" dirty="0" err="1">
-                <a:ea typeface="+mn-lt"/>
-                <a:cs typeface="+mn-lt"/>
-              </a:rPr>
-              <a:t>връща</a:t>
-            </a:r>
-            <a:r>
               <a:rPr lang="en-US" sz="3600" dirty="0">
                 <a:ea typeface="+mn-lt"/>
                 <a:cs typeface="+mn-lt"/>
               </a:rPr>
-              <a:t> </a:t>
-            </a:r>
-            <a:r>
-              <a:rPr lang="en-US" sz="3600" b="1" dirty="0" err="1">
+              <a:t>връща </a:t>
+            </a:r>
+            <a:r>
+              <a:rPr lang="en-US" sz="3600" b="1" dirty="0">
                 <a:solidFill>
                   <a:schemeClr val="accent1"/>
                 </a:solidFill>
               </a:rPr>
-              <a:t>последния</a:t>
-            </a:r>
-            <a:r>
-              <a:rPr lang="en-US" sz="3600" b="1" dirty="0">
-                <a:solidFill>
-                  <a:schemeClr val="accent1"/>
-                </a:solidFill>
-              </a:rPr>
-              <a:t> </a:t>
-            </a:r>
-            <a:r>
-              <a:rPr lang="en-US" sz="3600" b="1" dirty="0" err="1">
-                <a:solidFill>
-                  <a:schemeClr val="accent1"/>
-                </a:solidFill>
-              </a:rPr>
-              <a:t>индекс</a:t>
+              <a:t>последния индекс</a:t>
             </a:r>
             <a:r>
               <a:rPr lang="bg-BG" sz="3600" b="1" dirty="0">
@@ -11905,29 +11809,13 @@
             </a:r>
             <a:r>
               <a:rPr lang="en-US" sz="3600" dirty="0"/>
-              <a:t> – </a:t>
-            </a:r>
-            <a:r>
-              <a:rPr lang="en-US" sz="3600" dirty="0" err="1"/>
-              <a:t>проверява</a:t>
-            </a:r>
-            <a:r>
-              <a:rPr lang="en-US" sz="3600" dirty="0"/>
-              <a:t> </a:t>
-            </a:r>
-            <a:r>
-              <a:rPr lang="en-US" sz="3600" dirty="0" err="1"/>
-              <a:t>дали</a:t>
+              <a:t> – проверява дали</a:t>
             </a:r>
             <a:r>
               <a:rPr lang="bg-BG" sz="3600" dirty="0"/>
-              <a:t> низа съдържа даден </a:t>
-            </a:r>
-            <a:r>
-              <a:rPr lang="bg-BG" sz="3600" dirty="0" err="1"/>
-              <a:t>подниз</a:t>
-            </a:r>
-            <a:endParaRPr lang="en-US" sz="3600" dirty="0" err="1">
+              <a:t> низа съдържа даден подниз</a:t>
+            </a:r>
+            <a:endParaRPr lang="en-US" sz="3600" dirty="0">
               <a:cs typeface="Calibri"/>
             </a:endParaRPr>
           </a:p>
@@ -11959,18 +11847,11 @@
           <a:lstStyle/>
           <a:p>
             <a:r>
-              <a:rPr lang="en-GB" sz="3950" dirty="0" err="1">
-                <a:ea typeface="+mj-lt"/>
-                <a:cs typeface="+mj-lt"/>
-              </a:rPr>
-              <a:t>Търсене</a:t>
-            </a:r>
-            <a:r>
               <a:rPr lang="en-GB" sz="3950" dirty="0">
                 <a:ea typeface="+mj-lt"/>
                 <a:cs typeface="+mj-lt"/>
               </a:rPr>
-              <a:t> </a:t>
+              <a:t>Търсене </a:t>
             </a:r>
             <a:r>
               <a:rPr lang="en-GB" sz="3950" dirty="0"/>
@@ -13109,10 +12990,10 @@
           <a:lstStyle/>
           <a:p>
             <a:r>
-              <a:rPr lang="en-GB" sz="3950" dirty="0" err="1"/>
+              <a:rPr lang="en-GB" sz="3950" dirty="0"/>
               <a:t>Подниз</a:t>
             </a:r>
-            <a:endParaRPr lang="bg-BG" dirty="0" err="1"/>
+            <a:endParaRPr lang="bg-BG" dirty="0"/>
           </a:p>
         </p:txBody>
       </p:sp>
@@ -13638,34 +13519,10 @@
                   <a:schemeClr val="tx1"/>
                 </a:solidFill>
               </a:rPr>
-              <a:t>string </a:t>
-            </a:r>
-            <a:r>
-              <a:rPr lang="en-US" sz="2800" dirty="0" err="1">
-                <a:solidFill>
-                  <a:schemeClr val="tx1"/>
-                </a:solidFill>
-              </a:rPr>
-              <a:t>extractWord</a:t>
+              <a:t>string extractWord = text.</a:t>
             </a:r>
             <a:r>
               <a:rPr lang="en-US" sz="2800" dirty="0">
-                <a:solidFill>
-                  <a:schemeClr val="tx1"/>
-                </a:solidFill>
-              </a:rPr>
-              <a:t> = </a:t>
-            </a:r>
-            <a:r>
-              <a:rPr lang="en-US" sz="2800" dirty="0" err="1">
-                <a:solidFill>
-                  <a:schemeClr val="tx1"/>
-                </a:solidFill>
-              </a:rPr>
-              <a:t>text.</a:t>
-            </a:r>
-            <a:r>
-              <a:rPr lang="en-US" sz="2800" dirty="0" err="1">
                 <a:solidFill>
                   <a:schemeClr val="bg1"/>
                 </a:solidFill>
@@ -13691,23 +13548,7 @@
                   <a:schemeClr val="tx1"/>
                 </a:solidFill>
               </a:rPr>
-              <a:t>Console.WriteLine(</a:t>
-            </a:r>
-            <a:r>
-              <a:rPr lang="en-US" sz="2800" dirty="0" err="1">
-                <a:solidFill>
-                  <a:schemeClr val="tx1"/>
-                </a:solidFill>
-              </a:rPr>
-              <a:t>extractWord</a:t>
-            </a:r>
-            <a:r>
-              <a:rPr lang="en-US" sz="2800" dirty="0">
-                <a:solidFill>
-                  <a:schemeClr val="tx1"/>
-                </a:solidFill>
-              </a:rPr>
-              <a:t>);</a:t>
+              <a:t>Console.WriteLine(extractWord);</a:t>
             </a:r>
             <a:r>
               <a:rPr lang="en-US" sz="2800" dirty="0">
@@ -14470,21 +14311,17 @@
           <a:lstStyle/>
           <a:p>
             <a:r>
-              <a:rPr lang="en-US" sz="3950" dirty="0" err="1"/>
-              <a:t>Задача</a:t>
-            </a:r>
-            <a:r>
               <a:rPr lang="en-US" sz="3950" dirty="0"/>
-              <a:t>: </a:t>
-            </a:r>
-            <a:r>
-              <a:rPr lang="en-GB" sz="3950" dirty="0" err="1">
+              <a:t>Задача: </a:t>
+            </a:r>
+            <a:r>
+              <a:rPr lang="en-GB" sz="3950" dirty="0">
                 <a:ea typeface="+mj-lt"/>
                 <a:cs typeface="+mj-lt"/>
               </a:rPr>
               <a:t>Подниз</a:t>
             </a:r>
-            <a:endParaRPr lang="bg-BG" dirty="0" err="1">
+            <a:endParaRPr lang="bg-BG" dirty="0">
               <a:ea typeface="+mj-lt"/>
               <a:cs typeface="+mj-lt"/>
             </a:endParaRPr>
@@ -14686,217 +14523,73 @@
           <a:p>
             <a:pPr marL="456565" indent="-456565"/>
             <a:r>
-              <a:rPr lang="en-US" sz="3600" dirty="0" err="1">
-                <a:cs typeface="Calibri"/>
-              </a:rPr>
-              <a:t>Даден</a:t>
-            </a:r>
-            <a:r>
               <a:rPr lang="en-US" sz="3600" dirty="0">
                 <a:cs typeface="Calibri"/>
               </a:rPr>
-              <a:t> </a:t>
-            </a:r>
-            <a:r>
-              <a:rPr lang="en-US" sz="3600" dirty="0" err="1">
+              <a:t>Даден ви е </a:t>
+            </a:r>
+            <a:r>
+              <a:rPr lang="en-US" sz="3600" b="1" dirty="0">
+                <a:solidFill>
+                  <a:schemeClr val="bg1"/>
+                </a:solidFill>
                 <a:cs typeface="Calibri"/>
               </a:rPr>
-              <a:t>ви</a:t>
+              <a:t>текст</a:t>
             </a:r>
             <a:r>
               <a:rPr lang="en-US" sz="3600" dirty="0">
                 <a:cs typeface="Calibri"/>
               </a:rPr>
-              <a:t> е </a:t>
-            </a:r>
-            <a:r>
-              <a:rPr lang="en-US" sz="3600" b="1" dirty="0" err="1">
+              <a:t> и </a:t>
+            </a:r>
+            <a:r>
+              <a:rPr lang="en-US" sz="3600" b="1" dirty="0">
                 <a:solidFill>
                   <a:schemeClr val="bg1"/>
                 </a:solidFill>
                 <a:cs typeface="Calibri"/>
               </a:rPr>
-              <a:t>текст</a:t>
-            </a:r>
+              <a:t>дума за премахване</a:t>
+            </a:r>
+          </a:p>
+          <a:p>
+            <a:pPr marL="456565" indent="-456565"/>
             <a:r>
               <a:rPr lang="en-US" sz="3600" dirty="0">
+                <a:solidFill>
+                  <a:schemeClr val="tx2"/>
+                </a:solidFill>
                 <a:cs typeface="Calibri"/>
               </a:rPr>
-              <a:t> </a:t>
-            </a:r>
-            <a:r>
-              <a:rPr lang="en-US" sz="3600" dirty="0" err="1">
+              <a:t>Премахнете </a:t>
+            </a:r>
+            <a:r>
+              <a:rPr lang="en-US" sz="3600" b="1" dirty="0">
+                <a:solidFill>
+                  <a:schemeClr val="bg1"/>
+                </a:solidFill>
                 <a:cs typeface="Calibri"/>
               </a:rPr>
-              <a:t>и</a:t>
+              <a:t>всички поднизове</a:t>
             </a:r>
             <a:r>
               <a:rPr lang="en-US" sz="3600" dirty="0">
+                <a:solidFill>
+                  <a:schemeClr val="tx2"/>
+                </a:solidFill>
                 <a:cs typeface="Calibri"/>
               </a:rPr>
-              <a:t> </a:t>
-            </a:r>
-            <a:r>
-              <a:rPr lang="en-US" sz="3600" b="1" dirty="0" err="1">
+              <a:t>, които са </a:t>
+            </a:r>
+            <a:r>
+              <a:rPr lang="en-US" sz="3600" b="1" dirty="0">
                 <a:solidFill>
                   <a:schemeClr val="bg1"/>
                 </a:solidFill>
                 <a:cs typeface="Calibri"/>
               </a:rPr>
-              <a:t>дума</a:t>
-            </a:r>
-            <a:r>
-              <a:rPr lang="en-US" sz="3600" b="1" dirty="0">
-                <a:solidFill>
-                  <a:schemeClr val="bg1"/>
-                </a:solidFill>
-                <a:cs typeface="Calibri"/>
-              </a:rPr>
-              <a:t> </a:t>
-            </a:r>
-            <a:r>
-              <a:rPr lang="en-US" sz="3600" b="1" dirty="0" err="1">
-                <a:solidFill>
-                  <a:schemeClr val="bg1"/>
-                </a:solidFill>
-                <a:cs typeface="Calibri"/>
-              </a:rPr>
-              <a:t>за</a:t>
-            </a:r>
-            <a:r>
-              <a:rPr lang="en-US" sz="3600" b="1" dirty="0">
-                <a:solidFill>
-                  <a:schemeClr val="bg1"/>
-                </a:solidFill>
-                <a:cs typeface="Calibri"/>
-              </a:rPr>
-              <a:t> </a:t>
-            </a:r>
-            <a:r>
-              <a:rPr lang="en-US" sz="3600" b="1" dirty="0" err="1">
-                <a:solidFill>
-                  <a:schemeClr val="bg1"/>
-                </a:solidFill>
-                <a:cs typeface="Calibri"/>
-              </a:rPr>
-              <a:t>премахване</a:t>
-            </a:r>
-            <a:endParaRPr lang="en-US" sz="3600" b="1" dirty="0">
-              <a:solidFill>
-                <a:schemeClr val="bg1"/>
-              </a:solidFill>
-              <a:cs typeface="Calibri"/>
-            </a:endParaRPr>
-          </a:p>
-          <a:p>
-            <a:pPr marL="456565" indent="-456565"/>
-            <a:r>
-              <a:rPr lang="en-US" sz="3600" dirty="0" err="1">
-                <a:solidFill>
-                  <a:schemeClr val="tx2"/>
-                </a:solidFill>
-                <a:cs typeface="Calibri"/>
-              </a:rPr>
-              <a:t>Премахнете</a:t>
-            </a:r>
-            <a:r>
-              <a:rPr lang="en-US" sz="3600" dirty="0">
-                <a:solidFill>
-                  <a:schemeClr val="tx2"/>
-                </a:solidFill>
-                <a:cs typeface="Calibri"/>
-              </a:rPr>
-              <a:t> </a:t>
-            </a:r>
-            <a:r>
-              <a:rPr lang="en-US" sz="3600" b="1" dirty="0" err="1">
-                <a:solidFill>
-                  <a:schemeClr val="bg1"/>
-                </a:solidFill>
-                <a:cs typeface="Calibri"/>
-              </a:rPr>
-              <a:t>всички</a:t>
-            </a:r>
-            <a:r>
-              <a:rPr lang="en-US" sz="3600" b="1" dirty="0">
-                <a:solidFill>
-                  <a:schemeClr val="bg1"/>
-                </a:solidFill>
-                <a:cs typeface="Calibri"/>
-              </a:rPr>
-              <a:t> </a:t>
-            </a:r>
-            <a:r>
-              <a:rPr lang="en-US" sz="3600" b="1" dirty="0" err="1">
-                <a:solidFill>
-                  <a:schemeClr val="bg1"/>
-                </a:solidFill>
-                <a:cs typeface="Calibri"/>
-              </a:rPr>
-              <a:t>поднизове</a:t>
-            </a:r>
-            <a:r>
-              <a:rPr lang="en-US" sz="3600" dirty="0">
-                <a:solidFill>
-                  <a:schemeClr val="tx2"/>
-                </a:solidFill>
-                <a:cs typeface="Calibri"/>
-              </a:rPr>
-              <a:t>, </a:t>
-            </a:r>
-            <a:r>
-              <a:rPr lang="en-US" sz="3600" dirty="0" err="1">
-                <a:solidFill>
-                  <a:schemeClr val="tx2"/>
-                </a:solidFill>
-                <a:cs typeface="Calibri"/>
-              </a:rPr>
-              <a:t>които</a:t>
-            </a:r>
-            <a:r>
-              <a:rPr lang="en-US" sz="3600" dirty="0">
-                <a:solidFill>
-                  <a:schemeClr val="tx2"/>
-                </a:solidFill>
-                <a:cs typeface="Calibri"/>
-              </a:rPr>
-              <a:t> </a:t>
-            </a:r>
-            <a:r>
-              <a:rPr lang="en-US" sz="3600" dirty="0" err="1">
-                <a:solidFill>
-                  <a:schemeClr val="tx2"/>
-                </a:solidFill>
-                <a:cs typeface="Calibri"/>
-              </a:rPr>
-              <a:t>са</a:t>
-            </a:r>
-            <a:r>
-              <a:rPr lang="en-US" sz="3600" dirty="0">
-                <a:solidFill>
-                  <a:schemeClr val="tx2"/>
-                </a:solidFill>
-                <a:cs typeface="Calibri"/>
-              </a:rPr>
-              <a:t> </a:t>
-            </a:r>
-            <a:r>
-              <a:rPr lang="en-US" sz="3600" b="1" dirty="0" err="1">
-                <a:solidFill>
-                  <a:schemeClr val="bg1"/>
-                </a:solidFill>
-                <a:cs typeface="Calibri"/>
-              </a:rPr>
-              <a:t>еднакви</a:t>
-            </a:r>
-            <a:r>
-              <a:rPr lang="en-US" sz="3600" b="1" dirty="0">
-                <a:solidFill>
-                  <a:schemeClr val="bg1"/>
-                </a:solidFill>
-                <a:cs typeface="Calibri"/>
-              </a:rPr>
-              <a:t> с</a:t>
+              <a:t>еднакви с</a:t>
             </a:r>
             <a:br>
               <a:rPr lang="en-US" sz="3600" b="1" dirty="0">
@@ -14907,56 +14600,14 @@
               </a:rPr>
             </a:br>
             <a:r>
-              <a:rPr lang="en-US" sz="3600" b="1" dirty="0" err="1">
+              <a:rPr lang="en-US" sz="3600" b="1" dirty="0">
                 <a:solidFill>
                   <a:schemeClr val="bg1"/>
                 </a:solidFill>
                 <a:cs typeface="Calibri"/>
               </a:rPr>
-              <a:t>думата</a:t>
-            </a:r>
-            <a:r>
-              <a:rPr lang="en-US" sz="3600" b="1" dirty="0">
-                <a:solidFill>
-                  <a:schemeClr val="bg1"/>
-                </a:solidFill>
-                <a:cs typeface="Calibri"/>
-              </a:rPr>
-              <a:t> </a:t>
-            </a:r>
-            <a:r>
-              <a:rPr lang="en-US" sz="3600" b="1" dirty="0" err="1">
-                <a:solidFill>
-                  <a:schemeClr val="bg1"/>
-                </a:solidFill>
-                <a:cs typeface="Calibri"/>
-              </a:rPr>
-              <a:t>за</a:t>
-            </a:r>
-            <a:r>
-              <a:rPr lang="en-US" sz="3600" b="1" dirty="0">
-                <a:solidFill>
-                  <a:schemeClr val="bg1"/>
-                </a:solidFill>
-                <a:cs typeface="Calibri"/>
-              </a:rPr>
-              <a:t> </a:t>
-            </a:r>
-            <a:r>
-              <a:rPr lang="en-US" sz="3600" b="1" dirty="0" err="1">
-                <a:solidFill>
-                  <a:schemeClr val="bg1"/>
-                </a:solidFill>
-                <a:cs typeface="Calibri"/>
-              </a:rPr>
-              <a:t>премахване</a:t>
-            </a:r>
-            <a:endParaRPr lang="en-US" sz="3600" b="1" dirty="0">
-              <a:solidFill>
-                <a:schemeClr val="bg1"/>
-              </a:solidFill>
-              <a:cs typeface="Calibri"/>
-            </a:endParaRPr>
+              <a:t>думата за премахване</a:t>
+            </a:r>
           </a:p>
         </p:txBody>
       </p:sp>
@@ -16255,21 +15906,17 @@
           <a:lstStyle/>
           <a:p>
             <a:r>
-              <a:rPr lang="en-GB" sz="3950" dirty="0" err="1"/>
-              <a:t>Решение</a:t>
-            </a:r>
-            <a:r>
               <a:rPr lang="en-GB" sz="3950" dirty="0"/>
-              <a:t>: </a:t>
-            </a:r>
-            <a:r>
-              <a:rPr lang="en-GB" sz="3950" dirty="0" err="1">
+              <a:t>Решение: </a:t>
+            </a:r>
+            <a:r>
+              <a:rPr lang="en-GB" sz="3950" dirty="0">
                 <a:ea typeface="+mj-lt"/>
                 <a:cs typeface="+mj-lt"/>
               </a:rPr>
               <a:t>Подниз</a:t>
             </a:r>
-            <a:endParaRPr lang="en-US" dirty="0" err="1">
+            <a:endParaRPr lang="en-US" dirty="0">
               <a:ea typeface="+mj-lt"/>
               <a:cs typeface="+mj-lt"/>
             </a:endParaRPr>
@@ -16658,7 +16305,7 @@
               <a:rPr lang="en-US" sz="1999" dirty="0">
                 <a:hlinkClick r:id="rId2"/>
               </a:rPr>
-              <a:t>https://judge.softuni.org/Contests/Practice/Index/3178#15</a:t>
+              <a:t>https://judge.softuni.org/Contests/Practice/Index/4163#2</a:t>
             </a:r>
             <a:endParaRPr lang="en-US" sz="1999" dirty="0"/>
           </a:p>
@@ -17104,12 +16751,8 @@
               </a:buClr>
             </a:pPr>
             <a:r>
-              <a:rPr lang="en-US" sz="3600" dirty="0" err="1"/>
-              <a:t>Командата</a:t>
-            </a:r>
-            <a:r>
               <a:rPr lang="en-US" sz="3600" dirty="0"/>
-              <a:t> </a:t>
+              <a:t>Командата </a:t>
             </a:r>
             <a:r>
               <a:rPr lang="en-US" sz="3600" b="1" dirty="0">
@@ -17131,45 +16774,17 @@
             </a:r>
             <a:r>
               <a:rPr lang="en-US" sz="3600" dirty="0"/>
-              <a:t> </a:t>
-            </a:r>
-            <a:r>
-              <a:rPr lang="en-US" sz="3600" dirty="0" err="1"/>
-              <a:t>разделя</a:t>
-            </a:r>
-            <a:r>
-              <a:rPr lang="en-US" sz="3600" dirty="0"/>
-              <a:t> </a:t>
-            </a:r>
-            <a:r>
-              <a:rPr lang="en-US" sz="3600" dirty="0" err="1"/>
-              <a:t>низ</a:t>
-            </a:r>
-            <a:r>
-              <a:rPr lang="en-US" sz="3600" dirty="0"/>
-              <a:t> </a:t>
-            </a:r>
-            <a:r>
-              <a:rPr lang="en-US" sz="3600" dirty="0" err="1"/>
-              <a:t>по</a:t>
-            </a:r>
-            <a:r>
-              <a:rPr lang="en-US" sz="3600" dirty="0"/>
-              <a:t> </a:t>
-            </a:r>
-            <a:r>
-              <a:rPr lang="en-US" sz="3600"/>
-              <a:t>даден </a:t>
-            </a:r>
-            <a:r>
-              <a:rPr lang="en-US" sz="3600" b="1">
+              <a:t> разделя низ по даден </a:t>
+            </a:r>
+            <a:r>
+              <a:rPr lang="en-US" sz="3600" b="1" dirty="0">
                 <a:solidFill>
                   <a:schemeClr val="bg1"/>
                 </a:solidFill>
               </a:rPr>
               <a:t>разделител</a:t>
             </a:r>
-            <a:endParaRPr lang="en-US" sz="3600" dirty="0" err="1">
+            <a:endParaRPr lang="en-US" sz="3600" dirty="0">
               <a:solidFill>
                 <a:schemeClr val="bg1"/>
               </a:solidFill>
@@ -18035,53 +17650,9 @@
             </a:r>
             <a:r>
               <a:rPr lang="en-US" sz="3600" dirty="0"/>
-              <a:t> </a:t>
-            </a:r>
-            <a:r>
-              <a:rPr lang="en-US" sz="3600" dirty="0" err="1"/>
-              <a:t>може</a:t>
-            </a:r>
-            <a:r>
-              <a:rPr lang="en-US" sz="3600" dirty="0"/>
-              <a:t> </a:t>
-            </a:r>
-            <a:r>
-              <a:rPr lang="en-US" sz="3600" dirty="0" err="1"/>
-              <a:t>да</a:t>
-            </a:r>
-            <a:r>
-              <a:rPr lang="en-US" sz="3600" dirty="0"/>
-              <a:t> </a:t>
-            </a:r>
-            <a:r>
-              <a:rPr lang="en-US" sz="3600" dirty="0" err="1"/>
-              <a:t>се</a:t>
-            </a:r>
-            <a:r>
-              <a:rPr lang="en-US" sz="3600" dirty="0"/>
-              <a:t> </a:t>
-            </a:r>
-            <a:r>
-              <a:rPr lang="en-US" sz="3600" dirty="0" err="1"/>
-              <a:t>използва</a:t>
-            </a:r>
-            <a:r>
-              <a:rPr lang="en-US" sz="3600" dirty="0"/>
-              <a:t> с </a:t>
-            </a:r>
-            <a:r>
-              <a:rPr lang="en-US" sz="3600" dirty="0" err="1"/>
-              <a:t>много</a:t>
-            </a:r>
-            <a:r>
-              <a:rPr lang="en-US" sz="3600" dirty="0"/>
-              <a:t> </a:t>
-            </a:r>
-            <a:r>
-              <a:rPr lang="en-US" sz="3600" dirty="0" err="1"/>
-              <a:t>разделители</a:t>
-            </a:r>
-            <a:endParaRPr lang="bg-BG" sz="3600" dirty="0" err="1">
+              <a:t> може да се използва с много разделители</a:t>
+            </a:r>
+            <a:endParaRPr lang="bg-BG" sz="3600" dirty="0">
               <a:cs typeface="Calibri"/>
             </a:endParaRPr>
           </a:p>
@@ -18880,90 +18451,18 @@
               <a:rPr lang="bg-BG" sz="3400" dirty="0"/>
             </a:br>
             <a:r>
-              <a:rPr lang="en-US" sz="3400" dirty="0" err="1"/>
-              <a:t>се</a:t>
-            </a:r>
-            <a:r>
               <a:rPr lang="en-US" sz="3400" dirty="0"/>
-              <a:t> </a:t>
-            </a:r>
-            <a:r>
-              <a:rPr lang="en-US" sz="3400" dirty="0" err="1"/>
-              <a:t>използва</a:t>
-            </a:r>
-            <a:r>
-              <a:rPr lang="en-US" sz="3400" dirty="0"/>
-              <a:t> </a:t>
-            </a:r>
-            <a:r>
-              <a:rPr lang="en-US" sz="3400" dirty="0" err="1"/>
-              <a:t>за</a:t>
-            </a:r>
-            <a:r>
-              <a:rPr lang="en-US" sz="3400" dirty="0"/>
-              <a:t> </a:t>
-            </a:r>
-            <a:r>
-              <a:rPr lang="en-US" sz="3400" dirty="0" err="1"/>
-              <a:t>премахване</a:t>
-            </a:r>
-            <a:r>
-              <a:rPr lang="en-US" sz="3400" dirty="0"/>
-              <a:t> </a:t>
-            </a:r>
-            <a:r>
-              <a:rPr lang="en-US" sz="3400" dirty="0" err="1"/>
-              <a:t>на</a:t>
-            </a:r>
-            <a:r>
-              <a:rPr lang="en-US" sz="3400" dirty="0"/>
-              <a:t> </a:t>
-            </a:r>
-            <a:r>
-              <a:rPr lang="en-US" sz="3400" dirty="0" err="1"/>
-              <a:t>празните</a:t>
-            </a:r>
-            <a:r>
-              <a:rPr lang="en-US" sz="3400" dirty="0"/>
-              <a:t> </a:t>
-            </a:r>
-            <a:r>
-              <a:rPr lang="en-US" sz="3400" dirty="0" err="1"/>
-              <a:t>места</a:t>
-            </a:r>
-            <a:r>
-              <a:rPr lang="en-US" sz="3400" dirty="0"/>
-              <a:t> </a:t>
-            </a:r>
-            <a:r>
-              <a:rPr lang="en-US" sz="3400" dirty="0" err="1"/>
-              <a:t>от</a:t>
-            </a:r>
-            <a:r>
-              <a:rPr lang="en-US" sz="3400" dirty="0"/>
-              <a:t> </a:t>
-            </a:r>
-            <a:r>
-              <a:rPr lang="en-US" sz="3400" dirty="0" err="1"/>
-              <a:t>вър</a:t>
+              <a:t>се използва за премахване на празните места от вър</a:t>
             </a:r>
             <a:r>
               <a:rPr lang="bg-BG" sz="3400" dirty="0"/>
               <a:t>на</a:t>
             </a:r>
             <a:r>
-              <a:rPr lang="en-US" sz="3400" dirty="0" err="1"/>
-              <a:t>тия</a:t>
-            </a:r>
-            <a:r>
               <a:rPr lang="en-US" sz="3400" dirty="0"/>
-              <a:t> </a:t>
-            </a:r>
-            <a:r>
-              <a:rPr lang="en-US" sz="3400" dirty="0" err="1"/>
-              <a:t>масив</a:t>
-            </a:r>
-            <a:endParaRPr lang="bg-BG" sz="3400" dirty="0" err="1">
+              <a:t>тия масив</a:t>
+            </a:r>
+            <a:endParaRPr lang="bg-BG" sz="3400" dirty="0">
               <a:cs typeface="Calibri"/>
             </a:endParaRPr>
           </a:p>
@@ -19755,15 +19254,11 @@
               </a:buClr>
             </a:pPr>
             <a:r>
-              <a:rPr lang="en-GB" dirty="0" err="1"/>
-              <a:t>Какво</a:t>
-            </a:r>
-            <a:r>
               <a:rPr lang="en-GB" dirty="0"/>
-              <a:t> е </a:t>
-            </a:r>
-            <a:r>
-              <a:rPr lang="en-GB" b="1" dirty="0" err="1">
+              <a:t>Какво е </a:t>
+            </a:r>
+            <a:r>
+              <a:rPr lang="en-GB" b="1" dirty="0">
                 <a:solidFill>
                   <a:schemeClr val="bg1"/>
                 </a:solidFill>
@@ -19783,7 +19278,7 @@
               </a:buClr>
             </a:pPr>
             <a:r>
-              <a:rPr lang="en-GB" b="1" dirty="0" err="1">
+              <a:rPr lang="en-GB" b="1" dirty="0">
                 <a:solidFill>
                   <a:schemeClr val="bg1"/>
                 </a:solidFill>
@@ -19792,19 +19287,7 @@
             </a:r>
             <a:r>
               <a:rPr lang="en-GB" dirty="0"/>
-              <a:t> </a:t>
-            </a:r>
-            <a:r>
-              <a:rPr lang="en-GB" dirty="0" err="1"/>
-              <a:t>на</a:t>
-            </a:r>
-            <a:r>
-              <a:rPr lang="en-GB" dirty="0"/>
-              <a:t> </a:t>
-            </a:r>
-            <a:r>
-              <a:rPr lang="en-GB" dirty="0" err="1"/>
-              <a:t>низ</a:t>
+              <a:t> на низ</a:t>
             </a:r>
             <a:endParaRPr lang="en-US" b="1" dirty="0">
               <a:solidFill>
@@ -19819,7 +19302,7 @@
               </a:buClr>
             </a:pPr>
             <a:r>
-              <a:rPr lang="en-GB" b="1" dirty="0" err="1">
+              <a:rPr lang="en-GB" b="1" dirty="0">
                 <a:solidFill>
                   <a:schemeClr val="bg1"/>
                 </a:solidFill>
@@ -19828,19 +19311,7 @@
             </a:r>
             <a:r>
               <a:rPr lang="en-GB" dirty="0"/>
-              <a:t> </a:t>
-            </a:r>
-            <a:r>
-              <a:rPr lang="en-GB" dirty="0" err="1"/>
-              <a:t>на</a:t>
-            </a:r>
-            <a:r>
-              <a:rPr lang="en-GB" dirty="0"/>
-              <a:t> </a:t>
-            </a:r>
-            <a:r>
-              <a:rPr lang="en-GB" dirty="0" err="1"/>
-              <a:t>низ</a:t>
+              <a:t> на низ</a:t>
             </a:r>
             <a:endParaRPr lang="en-GB" dirty="0">
               <a:cs typeface="Calibri"/>
@@ -19849,16 +19320,8 @@
           <a:p>
             <a:pPr lvl="1" indent="-360045"/>
             <a:r>
-              <a:rPr lang="en-GB" dirty="0" err="1"/>
-              <a:t>Търсене</a:t>
-            </a:r>
-            <a:r>
               <a:rPr lang="en-GB" dirty="0"/>
-              <a:t>, </a:t>
-            </a:r>
-            <a:r>
-              <a:rPr lang="en-GB" dirty="0" err="1"/>
-              <a:t>подниз</a:t>
+              <a:t>Търсене, подниз</a:t>
             </a:r>
             <a:endParaRPr lang="en-GB" dirty="0">
               <a:cs typeface="Calibri"/>
@@ -19867,18 +19330,10 @@
           <a:p>
             <a:pPr lvl="1" indent="-360045"/>
             <a:r>
-              <a:rPr lang="en-GB" dirty="0" err="1"/>
-              <a:t>Разделяне</a:t>
-            </a:r>
-            <a:r>
               <a:rPr lang="en-GB" dirty="0"/>
-              <a:t>, </a:t>
-            </a:r>
-            <a:r>
-              <a:rPr lang="en-GB" dirty="0" err="1"/>
-              <a:t>заместване</a:t>
-            </a:r>
-            <a:endParaRPr lang="en-GB" dirty="0" err="1">
+              <a:t>Разделяне, заместване</a:t>
+            </a:r>
+            <a:endParaRPr lang="en-GB" dirty="0">
               <a:cs typeface="Calibri"/>
             </a:endParaRPr>
           </a:p>
@@ -19889,20 +19344,12 @@
               </a:buClr>
             </a:pPr>
             <a:r>
-              <a:rPr lang="en-GB" b="1" dirty="0" err="1">
+              <a:rPr lang="en-GB" b="1" dirty="0">
                 <a:solidFill>
                   <a:schemeClr val="bg1"/>
                 </a:solidFill>
               </a:rPr>
-              <a:t>Изграждане</a:t>
-            </a:r>
-            <a:r>
-              <a:rPr lang="en-GB" b="1" dirty="0">
-                <a:solidFill>
-                  <a:schemeClr val="bg1"/>
-                </a:solidFill>
-              </a:rPr>
-              <a:t> </a:t>
+              <a:t>Изграждане </a:t>
             </a:r>
             <a:r>
               <a:rPr lang="en-GB" dirty="0">
@@ -19917,7 +19364,7 @@
               <a:t> </a:t>
             </a:r>
             <a:r>
-              <a:rPr lang="en-GB" b="1" dirty="0" err="1">
+              <a:rPr lang="en-GB" b="1" dirty="0">
                 <a:solidFill>
                   <a:schemeClr val="bg1"/>
                 </a:solidFill>
@@ -19926,37 +19373,17 @@
             </a:r>
             <a:r>
               <a:rPr lang="en-GB" dirty="0"/>
-              <a:t> </a:t>
-            </a:r>
-            <a:r>
-              <a:rPr lang="en-GB" dirty="0" err="1"/>
-              <a:t>на</a:t>
-            </a:r>
-            <a:r>
-              <a:rPr lang="en-GB" dirty="0"/>
-              <a:t> </a:t>
-            </a:r>
-            <a:r>
-              <a:rPr lang="en-GB" dirty="0" err="1"/>
-              <a:t>низ</a:t>
-            </a:r>
-            <a:endParaRPr lang="en-GB" dirty="0" err="1">
+              <a:t> на низ</a:t>
+            </a:r>
+            <a:endParaRPr lang="en-GB" dirty="0">
               <a:cs typeface="Calibri"/>
             </a:endParaRPr>
           </a:p>
           <a:p>
             <a:pPr lvl="1" indent="-360045"/>
             <a:r>
-              <a:rPr lang="en-GB" dirty="0" err="1"/>
-              <a:t>Чрез</a:t>
-            </a:r>
-            <a:r>
               <a:rPr lang="en-GB" dirty="0"/>
-              <a:t> </a:t>
-            </a:r>
-            <a:r>
-              <a:rPr lang="en-GB" dirty="0" err="1"/>
-              <a:t>класа</a:t>
+              <a:t>Чрез класа</a:t>
             </a:r>
             <a:r>
               <a:rPr lang="en-GB" dirty="0">
@@ -20019,13 +19446,13 @@
           <a:lstStyle/>
           <a:p>
             <a:r>
-              <a:rPr lang="en-GB" sz="3950" dirty="0" err="1">
+              <a:rPr lang="en-GB" sz="3950" dirty="0">
                 <a:ea typeface="+mj-lt"/>
                 <a:cs typeface="+mj-lt"/>
               </a:rPr>
               <a:t>Съдържание</a:t>
             </a:r>
-            <a:endParaRPr lang="bg-BG" dirty="0" err="1"/>
+            <a:endParaRPr lang="bg-BG" dirty="0"/>
           </a:p>
         </p:txBody>
       </p:sp>
@@ -20452,67 +19879,13 @@
               <a:t>(</a:t>
             </a:r>
             <a:r>
-              <a:rPr lang="en-US" sz="3350" b="1" dirty="0" err="1">
+              <a:rPr lang="en-US" sz="3350" b="1" dirty="0">
                 <a:solidFill>
                   <a:schemeClr val="bg1"/>
                 </a:solidFill>
                 <a:latin typeface="Consolas"/>
               </a:rPr>
-              <a:t>стара</a:t>
-            </a:r>
-            <a:r>
-              <a:rPr lang="en-US" sz="3350" b="1" dirty="0">
-                <a:solidFill>
-                  <a:schemeClr val="bg1"/>
-                </a:solidFill>
-                <a:latin typeface="Consolas"/>
-              </a:rPr>
-              <a:t> </a:t>
-            </a:r>
-            <a:r>
-              <a:rPr lang="en-US" sz="3350" b="1" dirty="0" err="1">
-                <a:solidFill>
-                  <a:schemeClr val="bg1"/>
-                </a:solidFill>
-                <a:latin typeface="Consolas"/>
-              </a:rPr>
-              <a:t>стойност</a:t>
-            </a:r>
-            <a:r>
-              <a:rPr lang="en-US" sz="3350" b="1" dirty="0">
-                <a:solidFill>
-                  <a:schemeClr val="bg1"/>
-                </a:solidFill>
-                <a:latin typeface="Consolas"/>
-              </a:rPr>
-              <a:t>, </a:t>
-            </a:r>
-            <a:r>
-              <a:rPr lang="en-US" sz="3350" b="1" dirty="0" err="1">
-                <a:solidFill>
-                  <a:schemeClr val="bg1"/>
-                </a:solidFill>
-                <a:latin typeface="Consolas"/>
-              </a:rPr>
-              <a:t>нова</a:t>
-            </a:r>
-            <a:r>
-              <a:rPr lang="en-US" sz="3350" b="1" dirty="0">
-                <a:solidFill>
-                  <a:schemeClr val="bg1"/>
-                </a:solidFill>
-                <a:latin typeface="Consolas"/>
-              </a:rPr>
-              <a:t> </a:t>
-            </a:r>
-            <a:r>
-              <a:rPr lang="en-US" sz="3350" b="1" dirty="0" err="1">
-                <a:solidFill>
-                  <a:schemeClr val="bg1"/>
-                </a:solidFill>
-                <a:latin typeface="Consolas"/>
-              </a:rPr>
-              <a:t>стойност</a:t>
+              <a:t>стара стойност, нова стойност</a:t>
             </a:r>
             <a:r>
               <a:rPr lang="en-US" sz="3350" dirty="0">
@@ -20540,50 +19913,10 @@
               <a:t> </a:t>
             </a:r>
             <a:r>
-              <a:rPr lang="en-US" sz="3350" dirty="0" err="1"/>
-              <a:t>заменя</a:t>
-            </a:r>
-            <a:r>
               <a:rPr lang="en-US" sz="3350" dirty="0"/>
-              <a:t> </a:t>
-            </a:r>
-            <a:r>
-              <a:rPr lang="en-US" sz="3350" dirty="0" err="1"/>
-              <a:t>всички</a:t>
-            </a:r>
-            <a:r>
-              <a:rPr lang="en-US" sz="3350" dirty="0"/>
-              <a:t> </a:t>
-            </a:r>
-            <a:r>
-              <a:rPr lang="en-US" sz="3350" dirty="0" err="1"/>
-              <a:t>стари</a:t>
-            </a:r>
-            <a:r>
-              <a:rPr lang="en-US" sz="3350" dirty="0"/>
-              <a:t> </a:t>
-            </a:r>
-            <a:r>
-              <a:rPr lang="en-US" sz="3350" dirty="0" err="1"/>
-              <a:t>стойности</a:t>
-            </a:r>
-            <a:r>
-              <a:rPr lang="en-US" sz="3350" dirty="0"/>
-              <a:t> с </a:t>
-            </a:r>
-            <a:r>
-              <a:rPr lang="en-US" sz="3350" dirty="0" err="1"/>
-              <a:t>нова</a:t>
-            </a:r>
-            <a:r>
-              <a:rPr lang="en-US" sz="3350" dirty="0"/>
-              <a:t> </a:t>
-            </a:r>
-            <a:r>
-              <a:rPr lang="en-US" sz="3350" dirty="0" err="1"/>
-              <a:t>стойност</a:t>
-            </a:r>
-            <a:endParaRPr lang="en-US" dirty="0" err="1"/>
+              <a:t>заменя всички стари стойности с нова стойност</a:t>
+            </a:r>
+            <a:endParaRPr lang="en-US" dirty="0"/>
           </a:p>
           <a:p>
             <a:pPr marL="1066165" lvl="1" indent="-457200">
@@ -20593,33 +19926,17 @@
             </a:pPr>
             <a:r>
               <a:rPr lang="en-US" sz="3150" dirty="0"/>
-              <a:t>Резултатът </a:t>
-            </a:r>
-            <a:r>
-              <a:rPr lang="en-US" sz="3150" dirty="0" err="1"/>
-              <a:t>връща</a:t>
-            </a:r>
-            <a:r>
-              <a:rPr lang="en-US" sz="3150" dirty="0"/>
-              <a:t> </a:t>
-            </a:r>
-            <a:r>
-              <a:rPr lang="en-US" sz="3150" dirty="0" err="1"/>
-              <a:t>нов</a:t>
-            </a:r>
-            <a:r>
-              <a:rPr lang="en-US" sz="3150" dirty="0"/>
-              <a:t> </a:t>
-            </a:r>
-            <a:r>
-              <a:rPr lang="en-US" sz="3150" b="1" dirty="0" err="1">
+              <a:t>Резултатът връща нов </a:t>
+            </a:r>
+            <a:r>
+              <a:rPr lang="en-US" sz="3150" b="1" dirty="0">
                 <a:solidFill>
                   <a:schemeClr val="bg1"/>
                 </a:solidFill>
               </a:rPr>
               <a:t>низ</a:t>
             </a:r>
-            <a:endParaRPr lang="en-US" sz="3150" b="1" dirty="0" err="1">
+            <a:endParaRPr lang="en-US" sz="3150" b="1" dirty="0">
               <a:solidFill>
                 <a:schemeClr val="bg1"/>
               </a:solidFill>
@@ -21393,26 +20710,10 @@
           <a:lstStyle/>
           <a:p>
             <a:r>
-              <a:rPr lang="en-US" sz="3950" dirty="0" err="1"/>
-              <a:t>Задача</a:t>
-            </a:r>
-            <a:r>
               <a:rPr lang="en-US" sz="3950" dirty="0"/>
-              <a:t>: </a:t>
-            </a:r>
-            <a:r>
-              <a:rPr lang="en-US" sz="3950" dirty="0" err="1"/>
-              <a:t>Текст</a:t>
-            </a:r>
-            <a:r>
-              <a:rPr lang="en-US" sz="3950" dirty="0"/>
-              <a:t> </a:t>
-            </a:r>
-            <a:r>
-              <a:rPr lang="en-US" sz="3950" dirty="0" err="1"/>
-              <a:t>филтър</a:t>
-            </a:r>
-            <a:endParaRPr lang="en-US" sz="3950" dirty="0" err="1">
+              <a:t>Задача: Текст филтър</a:t>
+            </a:r>
+            <a:endParaRPr lang="en-US" sz="3950" dirty="0">
               <a:cs typeface="Calibri"/>
             </a:endParaRPr>
           </a:p>
@@ -21613,122 +20914,35 @@
           <a:p>
             <a:pPr marL="456565" indent="-456565"/>
             <a:r>
-              <a:rPr lang="en-US" sz="3350" dirty="0" err="1">
-                <a:cs typeface="Calibri"/>
-              </a:rPr>
-              <a:t>Даден</a:t>
-            </a:r>
-            <a:r>
               <a:rPr lang="en-US" sz="3350" dirty="0">
                 <a:cs typeface="Calibri"/>
               </a:rPr>
-              <a:t> </a:t>
-            </a:r>
-            <a:r>
-              <a:rPr lang="en-US" sz="3350" dirty="0" err="1">
+              <a:t>Даден ви е </a:t>
+            </a:r>
+            <a:r>
+              <a:rPr lang="en-US" sz="3350" b="1" dirty="0">
+                <a:solidFill>
+                  <a:schemeClr val="bg1"/>
+                </a:solidFill>
                 <a:cs typeface="Calibri"/>
               </a:rPr>
-              <a:t>ви</a:t>
+              <a:t>тескст </a:t>
             </a:r>
             <a:r>
               <a:rPr lang="en-US" sz="3350" dirty="0">
                 <a:cs typeface="Calibri"/>
               </a:rPr>
-              <a:t> е </a:t>
-            </a:r>
-            <a:r>
-              <a:rPr lang="en-US" sz="3350" b="1" dirty="0" err="1">
+              <a:t>и </a:t>
+            </a:r>
+            <a:r>
+              <a:rPr lang="en-US" sz="3350" b="1" dirty="0">
                 <a:solidFill>
                   <a:schemeClr val="bg1"/>
                 </a:solidFill>
                 <a:cs typeface="Calibri"/>
               </a:rPr>
-              <a:t>тескст</a:t>
-            </a:r>
-            <a:r>
-              <a:rPr lang="en-US" sz="3350" b="1" dirty="0">
-                <a:solidFill>
-                  <a:schemeClr val="bg1"/>
-                </a:solidFill>
-                <a:cs typeface="Calibri"/>
-              </a:rPr>
-              <a:t> </a:t>
-            </a:r>
-            <a:r>
-              <a:rPr lang="en-US" sz="3350" dirty="0">
-                <a:cs typeface="Calibri"/>
-              </a:rPr>
-              <a:t>и </a:t>
-            </a:r>
-            <a:r>
-              <a:rPr lang="en-US" sz="3350" b="1" dirty="0" err="1">
-                <a:solidFill>
-                  <a:schemeClr val="bg1"/>
-                </a:solidFill>
-                <a:cs typeface="Calibri"/>
-              </a:rPr>
-              <a:t>низ</a:t>
-            </a:r>
-            <a:r>
-              <a:rPr lang="en-US" sz="3350" b="1" dirty="0">
-                <a:solidFill>
-                  <a:schemeClr val="bg1"/>
-                </a:solidFill>
-                <a:cs typeface="Calibri"/>
-              </a:rPr>
-              <a:t> </a:t>
-            </a:r>
-            <a:r>
-              <a:rPr lang="en-US" sz="3350" b="1" dirty="0" err="1">
-                <a:solidFill>
-                  <a:schemeClr val="bg1"/>
-                </a:solidFill>
-                <a:cs typeface="Calibri"/>
-              </a:rPr>
-              <a:t>със</a:t>
-            </a:r>
-            <a:r>
-              <a:rPr lang="en-US" sz="3350" b="1" dirty="0">
-                <a:solidFill>
-                  <a:schemeClr val="bg1"/>
-                </a:solidFill>
-                <a:cs typeface="Calibri"/>
-              </a:rPr>
-              <a:t> </a:t>
-            </a:r>
-            <a:r>
-              <a:rPr lang="en-US" sz="3350" b="1" dirty="0" err="1">
-                <a:solidFill>
-                  <a:schemeClr val="bg1"/>
-                </a:solidFill>
-                <a:cs typeface="Calibri"/>
-              </a:rPr>
-              <a:t>забранени</a:t>
-            </a:r>
-            <a:r>
-              <a:rPr lang="en-US" sz="3350" b="1" dirty="0">
-                <a:solidFill>
-                  <a:schemeClr val="bg1"/>
-                </a:solidFill>
-                <a:cs typeface="Calibri"/>
-              </a:rPr>
-              <a:t> </a:t>
-            </a:r>
-            <a:r>
-              <a:rPr lang="en-US" sz="3350" b="1" dirty="0" err="1">
-                <a:solidFill>
-                  <a:schemeClr val="bg1"/>
-                </a:solidFill>
-                <a:cs typeface="Calibri"/>
-              </a:rPr>
-              <a:t>думи</a:t>
-            </a:r>
-            <a:endParaRPr lang="en-US" sz="3350" b="1" dirty="0">
-              <a:solidFill>
-                <a:schemeClr val="bg1"/>
-              </a:solidFill>
-              <a:cs typeface="Calibri"/>
-            </a:endParaRPr>
+              <a:t>низ със забранени думи</a:t>
+            </a:r>
           </a:p>
           <a:p>
             <a:pPr marL="989965" lvl="1" indent="-380365">
@@ -21737,7 +20951,7 @@
               </a:buClr>
             </a:pPr>
             <a:r>
-              <a:rPr lang="en-US" sz="3150" b="1" dirty="0" err="1">
+              <a:rPr lang="en-US" sz="3150" b="1" dirty="0">
                 <a:solidFill>
                   <a:schemeClr val="bg1"/>
                 </a:solidFill>
@@ -21762,88 +20976,22 @@
                 <a:cs typeface="Calibri"/>
               </a:rPr>
               <a:t> </a:t>
-            </a:r>
-            <a:r>
-              <a:rPr lang="en-US" sz="3150" dirty="0" err="1">
-                <a:cs typeface="Calibri"/>
-              </a:rPr>
-              <a:t>всички</a:t>
             </a:r>
             <a:r>
               <a:rPr lang="en-US" sz="3150" dirty="0">
                 <a:cs typeface="Calibri"/>
               </a:rPr>
-              <a:t> </a:t>
-            </a:r>
-            <a:r>
-              <a:rPr lang="en-US" sz="3150" b="1" dirty="0" err="1">
+              <a:t>всички </a:t>
+            </a:r>
+            <a:r>
+              <a:rPr lang="en-US" sz="3150" b="1" dirty="0">
                 <a:solidFill>
                   <a:schemeClr val="bg1"/>
                 </a:solidFill>
                 <a:cs typeface="Calibri"/>
               </a:rPr>
-              <a:t>забранени</a:t>
-            </a:r>
-            <a:r>
-              <a:rPr lang="en-US" sz="3150" b="1" dirty="0">
-                <a:solidFill>
-                  <a:schemeClr val="bg1"/>
-                </a:solidFill>
-                <a:cs typeface="Calibri"/>
-              </a:rPr>
-              <a:t> </a:t>
-            </a:r>
-            <a:r>
-              <a:rPr lang="en-US" sz="3150" b="1" dirty="0" err="1">
-                <a:solidFill>
-                  <a:schemeClr val="bg1"/>
-                </a:solidFill>
-                <a:cs typeface="Calibri"/>
-              </a:rPr>
-              <a:t>думи</a:t>
-            </a:r>
-            <a:r>
-              <a:rPr lang="en-US" sz="3150" b="1" dirty="0">
-                <a:solidFill>
-                  <a:schemeClr val="bg1"/>
-                </a:solidFill>
-                <a:cs typeface="Calibri"/>
-              </a:rPr>
-              <a:t> </a:t>
-            </a:r>
-            <a:r>
-              <a:rPr lang="en-US" sz="3150" b="1" dirty="0" err="1">
-                <a:solidFill>
-                  <a:schemeClr val="bg1"/>
-                </a:solidFill>
-                <a:cs typeface="Calibri"/>
-              </a:rPr>
-              <a:t>със</a:t>
-            </a:r>
-            <a:r>
-              <a:rPr lang="en-US" sz="3150" b="1" dirty="0">
-                <a:solidFill>
-                  <a:schemeClr val="bg1"/>
-                </a:solidFill>
-                <a:cs typeface="Calibri"/>
-              </a:rPr>
-              <a:t> </a:t>
-            </a:r>
-            <a:r>
-              <a:rPr lang="en-US" sz="3150" b="1" dirty="0" err="1">
-                <a:solidFill>
-                  <a:schemeClr val="bg1"/>
-                </a:solidFill>
-                <a:cs typeface="Calibri"/>
-              </a:rPr>
-              <a:t>звезди</a:t>
-            </a:r>
-            <a:endParaRPr lang="en-US" sz="3150" b="1" dirty="0">
-              <a:solidFill>
-                <a:schemeClr val="bg1"/>
-              </a:solidFill>
-              <a:cs typeface="Calibri"/>
-            </a:endParaRPr>
+              <a:t>забранени думи със звезди</a:t>
+            </a:r>
           </a:p>
           <a:p>
             <a:pPr marL="456565" indent="-456565"/>
@@ -22330,35 +21478,17 @@
           <a:lstStyle/>
           <a:p>
             <a:r>
-              <a:rPr lang="en-GB" sz="3950" dirty="0" err="1"/>
-              <a:t>Решение</a:t>
-            </a:r>
-            <a:r>
               <a:rPr lang="en-GB" sz="3950" dirty="0"/>
-              <a:t>: </a:t>
-            </a:r>
-            <a:r>
-              <a:rPr lang="en-US" sz="3950" dirty="0" err="1">
-                <a:ea typeface="+mj-lt"/>
-                <a:cs typeface="+mj-lt"/>
-              </a:rPr>
-              <a:t>Текст</a:t>
+              <a:t>Решение: </a:t>
             </a:r>
             <a:r>
               <a:rPr lang="en-US" sz="3950" dirty="0">
                 <a:ea typeface="+mj-lt"/>
                 <a:cs typeface="+mj-lt"/>
               </a:rPr>
-              <a:t> </a:t>
-            </a:r>
-            <a:r>
-              <a:rPr lang="en-US" sz="3950" dirty="0" err="1">
-                <a:ea typeface="+mj-lt"/>
-                <a:cs typeface="+mj-lt"/>
-              </a:rPr>
-              <a:t>филтър</a:t>
-            </a:r>
-            <a:endParaRPr lang="en-GB" sz="3950" b="0" dirty="0" err="1">
+              <a:t>Текст филтър</a:t>
+            </a:r>
+            <a:endParaRPr lang="en-GB" sz="3950" b="0" dirty="0">
               <a:ea typeface="+mj-lt"/>
               <a:cs typeface="+mj-lt"/>
             </a:endParaRPr>
@@ -22923,7 +22053,7 @@
           <a:p>
             <a:pPr algn="ctr"/>
             <a:r>
-              <a:rPr lang="en-US" sz="2750" b="1" dirty="0" err="1">
+              <a:rPr lang="en-US" sz="2750" b="1" dirty="0">
                 <a:solidFill>
                   <a:schemeClr val="bg1">
                     <a:lumMod val="60000"/>
@@ -22939,47 +22069,7 @@
                   <a:schemeClr val="bg2"/>
                 </a:solidFill>
               </a:rPr>
-              <a:t> </a:t>
-            </a:r>
-            <a:r>
-              <a:rPr lang="en-US" sz="2750" b="1" dirty="0" err="1">
-                <a:solidFill>
-                  <a:schemeClr val="bg2"/>
-                </a:solidFill>
-              </a:rPr>
-              <a:t>думата</a:t>
-            </a:r>
-            <a:r>
-              <a:rPr lang="en-US" sz="2750" b="1" dirty="0">
-                <a:solidFill>
-                  <a:schemeClr val="bg2"/>
-                </a:solidFill>
-              </a:rPr>
-              <a:t> </a:t>
-            </a:r>
-            <a:r>
-              <a:rPr lang="en-US" sz="2750" b="1" dirty="0" err="1">
-                <a:solidFill>
-                  <a:schemeClr val="bg2"/>
-                </a:solidFill>
-              </a:rPr>
-              <a:t>със</a:t>
-            </a:r>
-            <a:r>
-              <a:rPr lang="en-US" sz="2750" b="1" dirty="0">
-                <a:solidFill>
-                  <a:schemeClr val="bg2"/>
-                </a:solidFill>
-              </a:rPr>
-              <a:t> </a:t>
-            </a:r>
-            <a:r>
-              <a:rPr lang="en-US" sz="2750" b="1" dirty="0" err="1">
-                <a:solidFill>
-                  <a:schemeClr val="bg2"/>
-                </a:solidFill>
-              </a:rPr>
-              <a:t>звезди</a:t>
+              <a:t> думата със звезди</a:t>
             </a:r>
             <a:endParaRPr lang="en-US" sz="2750" b="1" dirty="0">
               <a:solidFill>
@@ -23035,7 +22125,7 @@
               <a:rPr lang="en-US" sz="1999" dirty="0">
                 <a:hlinkClick r:id="rId2"/>
               </a:rPr>
-              <a:t>https://judge.softuni.org/Contests/Practice/Index/3178#16</a:t>
+              <a:t>https://judge.softuni.org/Contests/Practice/Index/4163#3</a:t>
             </a:r>
             <a:endParaRPr lang="en-US" sz="1999" dirty="0"/>
           </a:p>
@@ -23698,46 +22788,11 @@
           <a:lstStyle/>
           <a:p>
             <a:r>
-              <a:rPr lang="en-GB" sz="5350" dirty="0" err="1">
-                <a:ea typeface="+mj-lt"/>
-                <a:cs typeface="+mj-lt"/>
-              </a:rPr>
-              <a:t>Използване</a:t>
-            </a:r>
-            <a:r>
               <a:rPr lang="en-GB" sz="5350" dirty="0">
                 <a:ea typeface="+mj-lt"/>
                 <a:cs typeface="+mj-lt"/>
               </a:rPr>
-              <a:t> </a:t>
-            </a:r>
-            <a:r>
-              <a:rPr lang="en-GB" sz="5350" dirty="0" err="1">
-                <a:ea typeface="+mj-lt"/>
-                <a:cs typeface="+mj-lt"/>
-              </a:rPr>
-              <a:t>на</a:t>
-            </a:r>
-            <a:r>
-              <a:rPr lang="en-GB" sz="5350" dirty="0">
-                <a:ea typeface="+mj-lt"/>
-                <a:cs typeface="+mj-lt"/>
-              </a:rPr>
-              <a:t> </a:t>
-            </a:r>
-            <a:r>
-              <a:rPr lang="en-GB" sz="5350" dirty="0" err="1">
-                <a:ea typeface="+mj-lt"/>
-                <a:cs typeface="+mj-lt"/>
-              </a:rPr>
-              <a:t>класа</a:t>
-            </a:r>
-            <a:r>
-              <a:rPr lang="en-GB" sz="5350" dirty="0">
-                <a:ea typeface="+mj-lt"/>
-                <a:cs typeface="+mj-lt"/>
-              </a:rPr>
-              <a:t> StringBuilder </a:t>
+              <a:t>Използване на класа StringBuilder </a:t>
             </a:r>
             <a:endParaRPr lang="bg-BG" sz="5350" b="0" dirty="0">
               <a:ea typeface="+mj-lt"/>
@@ -23881,105 +22936,17 @@
             </a:r>
             <a:r>
               <a:rPr lang="en-US" sz="3250" dirty="0"/>
-              <a:t> </a:t>
-            </a:r>
-            <a:r>
-              <a:rPr lang="en-US" sz="3250" dirty="0" err="1"/>
-              <a:t>използва</a:t>
-            </a:r>
-            <a:r>
-              <a:rPr lang="en-US" sz="3250" dirty="0"/>
-              <a:t> </a:t>
-            </a:r>
-            <a:r>
-              <a:rPr lang="en-US" sz="3250" dirty="0" err="1"/>
-              <a:t>буферно</a:t>
-            </a:r>
-            <a:r>
-              <a:rPr lang="en-US" sz="3250" dirty="0"/>
-              <a:t> </a:t>
-            </a:r>
-            <a:r>
-              <a:rPr lang="en-US" sz="3250" dirty="0" err="1"/>
-              <a:t>пространство</a:t>
-            </a:r>
-            <a:r>
-              <a:rPr lang="en-US" sz="3250" dirty="0"/>
-              <a:t>, </a:t>
-            </a:r>
-            <a:r>
-              <a:rPr lang="en-US" sz="3250" dirty="0" err="1"/>
-              <a:t>което</a:t>
-            </a:r>
-            <a:r>
-              <a:rPr lang="en-US" sz="3250" dirty="0"/>
-              <a:t> е </a:t>
-            </a:r>
-            <a:r>
-              <a:rPr lang="en-US" sz="3250" dirty="0" err="1"/>
-              <a:t>разпределено</a:t>
-            </a:r>
-            <a:r>
-              <a:rPr lang="en-US" sz="3250" dirty="0"/>
-              <a:t> </a:t>
-            </a:r>
-            <a:r>
-              <a:rPr lang="en-US" sz="3250" dirty="0" err="1"/>
-              <a:t>предварително</a:t>
-            </a:r>
-            <a:endParaRPr lang="en-US" sz="3250">
+              <a:t> използва буферно пространство, което е разпределено предварително</a:t>
+            </a:r>
+            <a:endParaRPr lang="en-US" sz="3250" dirty="0">
               <a:cs typeface="Calibri"/>
             </a:endParaRPr>
           </a:p>
           <a:p>
             <a:pPr lvl="1" indent="-360045"/>
             <a:r>
-              <a:rPr lang="en-US" sz="3150" dirty="0" err="1"/>
-              <a:t>Не</a:t>
-            </a:r>
-            <a:r>
               <a:rPr lang="en-US" sz="3150" dirty="0"/>
-              <a:t> </a:t>
-            </a:r>
-            <a:r>
-              <a:rPr lang="en-US" sz="3150" dirty="0" err="1"/>
-              <a:t>заделя</a:t>
-            </a:r>
-            <a:r>
-              <a:rPr lang="en-US" sz="3150" dirty="0"/>
-              <a:t> </a:t>
-            </a:r>
-            <a:r>
-              <a:rPr lang="en-US" sz="3150" dirty="0" err="1"/>
-              <a:t>памет</a:t>
-            </a:r>
-            <a:r>
-              <a:rPr lang="en-US" sz="3150" dirty="0"/>
-              <a:t> </a:t>
-            </a:r>
-            <a:r>
-              <a:rPr lang="en-US" sz="3150" dirty="0" err="1"/>
-              <a:t>за</a:t>
-            </a:r>
-            <a:r>
-              <a:rPr lang="en-US" sz="3150" dirty="0"/>
-              <a:t> </a:t>
-            </a:r>
-            <a:r>
-              <a:rPr lang="en-US" sz="3150" dirty="0" err="1"/>
-              <a:t>повечето</a:t>
-            </a:r>
-            <a:r>
-              <a:rPr lang="en-US" sz="3150" dirty="0"/>
-              <a:t> </a:t>
-            </a:r>
-            <a:r>
-              <a:rPr lang="en-US" sz="3150" dirty="0" err="1"/>
-              <a:t>операции</a:t>
-            </a:r>
-            <a:r>
-              <a:rPr lang="en-US" sz="3150" dirty="0"/>
-              <a:t> </a:t>
+              <a:t>Не заделя памет за повечето операции </a:t>
             </a:r>
             <a:r>
               <a:rPr lang="en-US" sz="3150" dirty="0">
@@ -23989,21 +22956,9 @@
             </a:r>
             <a:r>
               <a:rPr lang="en-US" sz="3150" dirty="0"/>
-              <a:t> </a:t>
-            </a:r>
-            <a:r>
-              <a:rPr lang="en-US" sz="3150" dirty="0" err="1"/>
-              <a:t>добра</a:t>
-            </a:r>
-            <a:r>
-              <a:rPr lang="en-US" sz="3150" dirty="0"/>
-              <a:t> </a:t>
-            </a:r>
-            <a:r>
-              <a:rPr lang="en-US" sz="3150" dirty="0" err="1"/>
-              <a:t>производителност</a:t>
-            </a:r>
-            <a:endParaRPr lang="en-US" sz="3150">
+              <a:t> добра производителност</a:t>
+            </a:r>
+            <a:endParaRPr lang="en-US" sz="3150" dirty="0">
               <a:cs typeface="Calibri"/>
             </a:endParaRPr>
           </a:p>
@@ -26058,21 +25013,17 @@
               </a:spcBef>
             </a:pPr>
             <a:r>
-              <a:rPr lang="en-US" sz="2750" b="1" dirty="0" err="1"/>
-              <a:t>Дължина</a:t>
-            </a:r>
-            <a:r>
               <a:rPr lang="en-US" sz="2750" b="1" dirty="0"/>
-              <a:t>= 9</a:t>
-            </a:r>
-            <a:endParaRPr lang="en-US" sz="2750" b="1">
+              <a:t>Дължина= 9</a:t>
+            </a:r>
+            <a:endParaRPr lang="en-US" sz="2750" b="1" dirty="0">
               <a:cs typeface="Calibri"/>
             </a:endParaRPr>
           </a:p>
           <a:p>
             <a:pPr lvl="1"/>
             <a:r>
-              <a:rPr lang="en-US" sz="2750" b="1" dirty="0" err="1">
+              <a:rPr lang="en-US" sz="2750" b="1" dirty="0">
                 <a:ea typeface="+mn-lt"/>
                 <a:cs typeface="+mn-lt"/>
               </a:rPr>
@@ -26082,7 +25033,7 @@
               <a:rPr lang="en-US" sz="2750" b="1" dirty="0"/>
               <a:t>= 15</a:t>
             </a:r>
-            <a:endParaRPr lang="en-US">
+            <a:endParaRPr lang="en-US" dirty="0">
               <a:cs typeface="Calibri"/>
             </a:endParaRPr>
           </a:p>
@@ -26111,10 +25062,10 @@
           <a:lstStyle/>
           <a:p>
             <a:r>
-              <a:rPr lang="en-US" sz="2750" b="1" dirty="0" err="1"/>
+              <a:rPr lang="en-US" sz="2750" b="1" dirty="0"/>
               <a:t>Капацитет</a:t>
             </a:r>
-            <a:endParaRPr lang="en-US" sz="2799" b="1" dirty="0" err="1"/>
+            <a:endParaRPr lang="en-US" sz="2799" b="1" dirty="0"/>
           </a:p>
         </p:txBody>
       </p:sp>
@@ -26141,26 +25092,10 @@
           <a:lstStyle/>
           <a:p>
             <a:r>
-              <a:rPr lang="en-US" sz="2750" b="1" dirty="0" err="1"/>
-              <a:t>Използван</a:t>
-            </a:r>
-            <a:r>
               <a:rPr lang="en-US" sz="2750" b="1" dirty="0"/>
-              <a:t> </a:t>
-            </a:r>
-            <a:r>
-              <a:rPr lang="en-US" sz="2750" b="1" dirty="0" err="1"/>
-              <a:t>буфер</a:t>
-            </a:r>
-            <a:r>
-              <a:rPr lang="en-US" sz="2750" b="1" dirty="0"/>
-              <a:t>, </a:t>
-            </a:r>
-            <a:r>
-              <a:rPr lang="en-US" sz="2750" b="1" dirty="0" err="1"/>
-              <a:t>дължина</a:t>
-            </a:r>
-            <a:endParaRPr lang="bg-BG" dirty="0" err="1"/>
+              <a:t>Използван буфер, дължина</a:t>
+            </a:r>
+            <a:endParaRPr lang="bg-BG" dirty="0"/>
           </a:p>
         </p:txBody>
       </p:sp>
@@ -26188,18 +25123,10 @@
           <a:p>
             <a:pPr algn="ctr"/>
             <a:r>
-              <a:rPr lang="en-US" sz="2750" b="1" dirty="0" err="1"/>
-              <a:t>Неизползван</a:t>
-            </a:r>
-            <a:r>
               <a:rPr lang="en-US" sz="2750" b="1" dirty="0"/>
-              <a:t> </a:t>
-            </a:r>
-            <a:r>
-              <a:rPr lang="en-US" sz="2750" b="1" dirty="0" err="1"/>
-              <a:t>буфер</a:t>
-            </a:r>
-            <a:endParaRPr lang="bg-BG" dirty="0" err="1"/>
+              <a:t>Неизползван буфер</a:t>
+            </a:r>
+            <a:endParaRPr lang="bg-BG" dirty="0"/>
           </a:p>
         </p:txBody>
       </p:sp>
@@ -27132,12 +26059,8 @@
           <a:p>
             <a:pPr marL="360045" indent="-360045"/>
             <a:r>
-              <a:rPr lang="en-US" sz="3600" dirty="0" err="1"/>
-              <a:t>Използвайте</a:t>
-            </a:r>
-            <a:r>
               <a:rPr lang="en-US" sz="3600" dirty="0"/>
-              <a:t> </a:t>
+              <a:t>Използвайте </a:t>
             </a:r>
             <a:r>
               <a:rPr lang="en-US" sz="3600" b="1" noProof="1">
@@ -27154,11 +26077,7 @@
             </a:r>
             <a:r>
               <a:rPr lang="en-US" sz="3600" dirty="0"/>
-              <a:t>а </a:t>
-            </a:r>
-            <a:r>
-              <a:rPr lang="en-US" sz="3600" dirty="0" err="1"/>
-              <a:t>да</a:t>
+              <a:t>а да</a:t>
             </a:r>
             <a:br>
               <a:rPr lang="en-US" sz="3600" dirty="0">
@@ -27166,26 +26085,10 @@
               </a:rPr>
             </a:br>
             <a:r>
-              <a:rPr lang="en-US" sz="3600" dirty="0" err="1"/>
-              <a:t>създавате</a:t>
-            </a:r>
-            <a:r>
               <a:rPr lang="en-US" sz="3600" dirty="0"/>
-              <a:t> / </a:t>
-            </a:r>
-            <a:r>
-              <a:rPr lang="en-US" sz="3600" dirty="0" err="1"/>
-              <a:t>модефицирате</a:t>
-            </a:r>
-            <a:r>
-              <a:rPr lang="en-US" sz="3600" dirty="0"/>
-              <a:t>  </a:t>
-            </a:r>
-            <a:r>
-              <a:rPr lang="en-US" sz="3600" dirty="0" err="1"/>
-              <a:t>низ</a:t>
-            </a:r>
-            <a:endParaRPr lang="bg-BG" sz="3600" dirty="0" err="1">
+              <a:t>създавате / модефицирате  низ</a:t>
+            </a:r>
+            <a:endParaRPr lang="bg-BG" sz="3600" dirty="0">
               <a:cs typeface="Calibri"/>
             </a:endParaRPr>
           </a:p>
@@ -27215,28 +26118,8 @@
           <a:lstStyle/>
           <a:p>
             <a:r>
-              <a:rPr lang="en-GB" sz="3950" dirty="0" err="1"/>
-              <a:t>Употреба</a:t>
-            </a:r>
-            <a:r>
               <a:rPr lang="en-GB" sz="3950" dirty="0"/>
-              <a:t> </a:t>
-            </a:r>
-            <a:r>
-              <a:rPr lang="en-GB" sz="3950" dirty="0" err="1"/>
-              <a:t>на</a:t>
-            </a:r>
-            <a:r>
-              <a:rPr lang="en-GB" sz="3950" dirty="0"/>
-              <a:t> </a:t>
-            </a:r>
-            <a:r>
-              <a:rPr lang="en-GB" sz="3950" dirty="0" err="1"/>
-              <a:t>класа</a:t>
-            </a:r>
-            <a:r>
-              <a:rPr lang="en-GB" sz="3950" dirty="0"/>
-              <a:t> </a:t>
+              <a:t>Употреба на класа </a:t>
             </a:r>
             <a:r>
               <a:rPr lang="en-GB" sz="3950" noProof="1"/>
@@ -27316,7 +26199,7 @@
           <a:p>
             <a:pPr algn="ctr"/>
             <a:r>
-              <a:rPr lang="en-US" sz="2750" b="1" dirty="0" err="1">
+              <a:rPr lang="en-US" sz="2750" b="1" dirty="0">
                 <a:solidFill>
                   <a:srgbClr val="FFFFFF"/>
                 </a:solidFill>
@@ -27864,7 +26747,7 @@
               </a:buClr>
             </a:pPr>
             <a:r>
-              <a:rPr lang="en-US" sz="3600" b="1" dirty="0" err="1">
+              <a:rPr lang="en-US" sz="3600" b="1" dirty="0">
                 <a:solidFill>
                   <a:schemeClr val="bg1"/>
                 </a:solidFill>
@@ -27873,63 +26756,19 @@
             </a:r>
             <a:r>
               <a:rPr lang="en-US" sz="3600" dirty="0"/>
-              <a:t> </a:t>
-            </a:r>
-            <a:r>
-              <a:rPr lang="en-US" sz="3600" dirty="0" err="1"/>
-              <a:t>на</a:t>
+              <a:t> на низове е </a:t>
+            </a:r>
+            <a:r>
+              <a:rPr lang="en-US" sz="3600" b="1" dirty="0">
+                <a:solidFill>
+                  <a:schemeClr val="bg1"/>
+                </a:solidFill>
+              </a:rPr>
+              <a:t>бавна</a:t>
             </a:r>
             <a:r>
               <a:rPr lang="en-US" sz="3600" dirty="0"/>
-              <a:t> </a:t>
-            </a:r>
-            <a:r>
-              <a:rPr lang="en-US" sz="3600" dirty="0" err="1"/>
-              <a:t>низове</a:t>
-            </a:r>
-            <a:r>
-              <a:rPr lang="en-US" sz="3600" dirty="0"/>
-              <a:t> е </a:t>
-            </a:r>
-            <a:r>
-              <a:rPr lang="en-US" sz="3600" b="1" dirty="0" err="1">
-                <a:solidFill>
-                  <a:schemeClr val="bg1"/>
-                </a:solidFill>
-              </a:rPr>
-              <a:t>бавна</a:t>
-            </a:r>
-            <a:r>
-              <a:rPr lang="en-US" sz="3600" dirty="0"/>
-              <a:t> </a:t>
-            </a:r>
-            <a:r>
-              <a:rPr lang="en-US" sz="3600" dirty="0" err="1"/>
-              <a:t>операция</a:t>
-            </a:r>
-            <a:r>
-              <a:rPr lang="en-US" sz="3600" dirty="0"/>
-              <a:t>, </a:t>
-            </a:r>
-            <a:r>
-              <a:rPr lang="en-US" sz="3600" dirty="0" err="1"/>
-              <a:t>защото</a:t>
-            </a:r>
-            <a:r>
-              <a:rPr lang="en-US" sz="3600" dirty="0"/>
-              <a:t> </a:t>
-            </a:r>
-            <a:r>
-              <a:rPr lang="en-US" sz="3600" dirty="0" err="1"/>
-              <a:t>при</a:t>
-            </a:r>
-            <a:r>
-              <a:rPr lang="en-US" sz="3600" dirty="0"/>
-              <a:t> </a:t>
-            </a:r>
-            <a:r>
-              <a:rPr lang="en-US" sz="3600" dirty="0" err="1"/>
-              <a:t>всяка</a:t>
+              <a:t> операция, защото при всяка</a:t>
             </a:r>
             <a:r>
               <a:rPr lang="bg-BG" sz="3600" dirty="0"/>
@@ -27952,46 +26791,14 @@
               <a:t> </a:t>
             </a:r>
             <a:r>
-              <a:rPr lang="en-US" sz="3600" b="1" dirty="0" err="1">
+              <a:rPr lang="en-US" sz="3600" b="1" dirty="0">
                 <a:solidFill>
                   <a:schemeClr val="bg1"/>
                 </a:solidFill>
               </a:rPr>
-              <a:t>създава</a:t>
-            </a:r>
-            <a:r>
-              <a:rPr lang="en-US" sz="3600" b="1" dirty="0">
-                <a:solidFill>
-                  <a:schemeClr val="bg1"/>
-                </a:solidFill>
-              </a:rPr>
-              <a:t> </a:t>
-            </a:r>
-            <a:r>
-              <a:rPr lang="en-US" sz="3600" b="1" dirty="0" err="1">
-                <a:solidFill>
-                  <a:schemeClr val="bg1"/>
-                </a:solidFill>
-              </a:rPr>
-              <a:t>нов</a:t>
-            </a:r>
-            <a:r>
-              <a:rPr lang="en-US" sz="3600" b="1" dirty="0">
-                <a:solidFill>
-                  <a:schemeClr val="bg1"/>
-                </a:solidFill>
-              </a:rPr>
-              <a:t> </a:t>
-            </a:r>
-            <a:r>
-              <a:rPr lang="en-US" sz="3600" b="1" dirty="0" err="1">
-                <a:solidFill>
-                  <a:schemeClr val="bg1"/>
-                </a:solidFill>
-              </a:rPr>
-              <a:t>низ</a:t>
-            </a:r>
-            <a:endParaRPr lang="en-US" sz="3600" b="1" dirty="0" err="1">
+              <a:t>създава нов низ</a:t>
+            </a:r>
+            <a:endParaRPr lang="en-US" sz="3600" b="1" dirty="0">
               <a:solidFill>
                 <a:schemeClr val="bg1"/>
               </a:solidFill>
@@ -28029,12 +26836,8 @@
           <a:lstStyle/>
           <a:p>
             <a:r>
-              <a:rPr lang="en-GB" sz="3950" dirty="0" err="1"/>
-              <a:t>Конкатенация</a:t>
-            </a:r>
-            <a:r>
               <a:rPr lang="en-GB" sz="3950" dirty="0"/>
-              <a:t> и </a:t>
+              <a:t>Конкатенация и </a:t>
             </a:r>
             <a:r>
               <a:rPr lang="en-GB" sz="3950" noProof="1"/>
@@ -28971,44 +27774,14 @@
           <a:p>
             <a:pPr marL="360045" indent="-360045"/>
             <a:r>
-              <a:rPr lang="en-US" sz="3350" dirty="0" err="1">
+              <a:rPr lang="en-US" sz="3350" dirty="0">
                 <a:solidFill>
                   <a:srgbClr val="234465"/>
                 </a:solidFill>
                 <a:latin typeface="Calibri"/>
                 <a:cs typeface="Calibri"/>
               </a:rPr>
-              <a:t>Използване</a:t>
-            </a:r>
-            <a:r>
-              <a:rPr lang="en-US" sz="3350" dirty="0">
-                <a:solidFill>
-                  <a:srgbClr val="234465"/>
-                </a:solidFill>
-                <a:latin typeface="Calibri"/>
-                <a:cs typeface="Calibri"/>
-              </a:rPr>
-              <a:t> </a:t>
-            </a:r>
-            <a:r>
-              <a:rPr lang="en-US" sz="3350" dirty="0" err="1">
-                <a:solidFill>
-                  <a:srgbClr val="234465"/>
-                </a:solidFill>
-                <a:latin typeface="Calibri"/>
-                <a:cs typeface="Calibri"/>
-              </a:rPr>
-              <a:t>на</a:t>
-            </a:r>
-            <a:r>
-              <a:rPr lang="en-US" sz="3350" dirty="0">
-                <a:solidFill>
-                  <a:srgbClr val="234465"/>
-                </a:solidFill>
-                <a:latin typeface="Calibri"/>
-                <a:cs typeface="Calibri"/>
-              </a:rPr>
-              <a:t> </a:t>
+              <a:t>Използване на </a:t>
             </a:r>
             <a:r>
               <a:rPr lang="en-US" sz="3350" b="1" noProof="1">
@@ -29058,12 +27831,8 @@
           <a:lstStyle/>
           <a:p>
             <a:r>
-              <a:rPr lang="en-GB" sz="3950" dirty="0" err="1"/>
-              <a:t>Конкатенация</a:t>
-            </a:r>
-            <a:r>
               <a:rPr lang="en-GB" sz="3950" dirty="0"/>
-              <a:t> и </a:t>
+              <a:t>Конкатенация и </a:t>
             </a:r>
             <a:r>
               <a:rPr lang="en-GB" sz="3950" noProof="1"/>
@@ -30057,51 +28826,7 @@
             </a:r>
             <a:r>
               <a:rPr lang="en-GB" sz="3350" dirty="0"/>
-              <a:t> – </a:t>
-            </a:r>
-            <a:r>
-              <a:rPr lang="en-GB" sz="3350" dirty="0" err="1"/>
-              <a:t>добавя</a:t>
-            </a:r>
-            <a:r>
-              <a:rPr lang="en-GB" sz="3350" dirty="0"/>
-              <a:t> </a:t>
-            </a:r>
-            <a:r>
-              <a:rPr lang="en-GB" sz="3350" dirty="0" err="1"/>
-              <a:t>текст</a:t>
-            </a:r>
-            <a:r>
-              <a:rPr lang="en-GB" sz="3350" dirty="0"/>
-              <a:t> </a:t>
-            </a:r>
-            <a:r>
-              <a:rPr lang="en-GB" sz="3350" dirty="0" err="1"/>
-              <a:t>в</a:t>
-            </a:r>
-            <a:r>
-              <a:rPr lang="en-GB" sz="3350" dirty="0"/>
-              <a:t> </a:t>
-            </a:r>
-            <a:r>
-              <a:rPr lang="en-GB" sz="3350" dirty="0" err="1"/>
-              <a:t>края</a:t>
-            </a:r>
-            <a:r>
-              <a:rPr lang="en-GB" sz="3350" dirty="0"/>
-              <a:t> </a:t>
-            </a:r>
-            <a:r>
-              <a:rPr lang="en-GB" sz="3350" dirty="0" err="1"/>
-              <a:t>на</a:t>
-            </a:r>
-            <a:r>
-              <a:rPr lang="en-GB" sz="3350" dirty="0"/>
-              <a:t> </a:t>
-            </a:r>
-            <a:r>
-              <a:rPr lang="en-GB" sz="3350" dirty="0" err="1"/>
-              <a:t>низ</a:t>
+              <a:t> – добавя текст в края на низ</a:t>
             </a:r>
             <a:r>
               <a:rPr lang="en-US" sz="3350" dirty="0"/>
@@ -30160,43 +28885,7 @@
             </a:r>
             <a:r>
               <a:rPr lang="en-GB" sz="3350" dirty="0"/>
-              <a:t> – </a:t>
-            </a:r>
-            <a:r>
-              <a:rPr lang="en-GB" sz="3350" dirty="0" err="1"/>
-              <a:t>пази</a:t>
-            </a:r>
-            <a:r>
-              <a:rPr lang="en-GB" sz="3350" dirty="0"/>
-              <a:t> </a:t>
-            </a:r>
-            <a:r>
-              <a:rPr lang="en-GB" sz="3350" dirty="0" err="1"/>
-              <a:t>дължината</a:t>
-            </a:r>
-            <a:r>
-              <a:rPr lang="en-GB" sz="3350" dirty="0"/>
-              <a:t> </a:t>
-            </a:r>
-            <a:r>
-              <a:rPr lang="en-GB" sz="3350" dirty="0" err="1"/>
-              <a:t>на</a:t>
-            </a:r>
-            <a:r>
-              <a:rPr lang="en-GB" sz="3350" dirty="0"/>
-              <a:t> </a:t>
-            </a:r>
-            <a:r>
-              <a:rPr lang="en-GB" sz="3350" dirty="0" err="1"/>
-              <a:t>низа</a:t>
-            </a:r>
-            <a:r>
-              <a:rPr lang="en-GB" sz="3350" dirty="0"/>
-              <a:t> в </a:t>
-            </a:r>
-            <a:r>
-              <a:rPr lang="en-GB" sz="3350" dirty="0" err="1"/>
-              <a:t>буфера</a:t>
+              <a:t> – пази дължината на низа в буфера</a:t>
             </a:r>
             <a:endParaRPr lang="en-US" sz="3350" dirty="0">
               <a:cs typeface="Calibri"/>
@@ -30280,29 +28969,9 @@
             </a:r>
             <a:r>
               <a:rPr lang="en-GB" sz="3350" dirty="0"/>
-              <a:t>– </a:t>
-            </a:r>
-            <a:r>
-              <a:rPr lang="en-GB" sz="3350" dirty="0" err="1"/>
-              <a:t>премахва</a:t>
-            </a:r>
-            <a:r>
-              <a:rPr lang="en-GB" sz="3350" dirty="0"/>
-              <a:t> </a:t>
-            </a:r>
-            <a:r>
-              <a:rPr lang="en-GB" sz="3350" dirty="0" err="1"/>
-              <a:t>всички</a:t>
-            </a:r>
-            <a:r>
-              <a:rPr lang="en-GB" sz="3350" dirty="0"/>
-              <a:t> </a:t>
-            </a:r>
-            <a:r>
-              <a:rPr lang="en-GB" sz="3350" dirty="0" err="1"/>
-              <a:t>символи</a:t>
-            </a:r>
-            <a:endParaRPr lang="en-GB" b="1" dirty="0" err="1">
+              <a:t>– премахва всички символи</a:t>
+            </a:r>
+            <a:endParaRPr lang="en-GB" b="1" dirty="0">
               <a:solidFill>
                 <a:schemeClr val="bg1"/>
               </a:solidFill>
@@ -30882,18 +29551,13 @@
               <a:t>); </a:t>
             </a:r>
             <a:r>
-              <a:rPr lang="en-GB" sz="2799" i="1">
+              <a:rPr lang="en-GB" sz="2799" i="1" dirty="0">
                 <a:solidFill>
                   <a:schemeClr val="accent2"/>
                 </a:solidFill>
               </a:rPr>
               <a:t>// 25</a:t>
             </a:r>
-            <a:endParaRPr lang="en-GB" sz="2799" i="1" dirty="0">
-              <a:solidFill>
-                <a:schemeClr val="accent2"/>
-              </a:solidFill>
-            </a:endParaRPr>
           </a:p>
         </p:txBody>
       </p:sp>
@@ -31182,67 +29846,17 @@
                 </a:solidFill>
                 <a:latin typeface="Consolas"/>
               </a:rPr>
-              <a:t> </a:t>
-            </a:r>
-            <a:r>
-              <a:rPr lang="en-GB" sz="3350" b="1" dirty="0" err="1">
-                <a:solidFill>
-                  <a:schemeClr val="bg1"/>
-                </a:solidFill>
-                <a:latin typeface="Consolas"/>
-              </a:rPr>
-              <a:t>индекс</a:t>
-            </a:r>
-            <a:r>
-              <a:rPr lang="en-GB" sz="3350" b="1" dirty="0">
-                <a:solidFill>
-                  <a:schemeClr val="bg1"/>
-                </a:solidFill>
-                <a:latin typeface="Consolas"/>
-              </a:rPr>
-              <a:t>]</a:t>
+              <a:t> индекс]</a:t>
             </a:r>
             <a:r>
               <a:rPr lang="en-GB" sz="3350" dirty="0"/>
               <a:t> – </a:t>
             </a:r>
             <a:r>
-              <a:rPr lang="en-US" sz="3350" dirty="0" err="1"/>
-              <a:t>връща</a:t>
-            </a:r>
-            <a:r>
               <a:rPr lang="en-US" sz="3350" dirty="0"/>
-              <a:t> </a:t>
-            </a:r>
-            <a:r>
-              <a:rPr lang="en-US" sz="3350" dirty="0" err="1"/>
-              <a:t>символ</a:t>
-            </a:r>
-            <a:r>
-              <a:rPr lang="en-US" sz="3350" dirty="0"/>
-              <a:t> </a:t>
-            </a:r>
-            <a:r>
-              <a:rPr lang="en-US" sz="3350" dirty="0" err="1"/>
-              <a:t>на</a:t>
-            </a:r>
-            <a:r>
-              <a:rPr lang="en-US" sz="3350" dirty="0"/>
-              <a:t> </a:t>
-            </a:r>
-            <a:r>
-              <a:rPr lang="en-US" sz="3350" dirty="0" err="1"/>
-              <a:t>даден</a:t>
-            </a:r>
-            <a:r>
-              <a:rPr lang="en-US" sz="3350" dirty="0"/>
-              <a:t> </a:t>
-            </a:r>
-            <a:r>
-              <a:rPr lang="en-US" sz="3350" dirty="0" err="1"/>
-              <a:t>индекс</a:t>
-            </a:r>
-            <a:endParaRPr lang="en-GB" sz="3350" b="1" dirty="0" err="1">
+              <a:t>връща символ на даден индекс</a:t>
+            </a:r>
+            <a:endParaRPr lang="en-GB" sz="3350" b="1" dirty="0">
               <a:solidFill>
                 <a:schemeClr val="bg1"/>
               </a:solidFill>
@@ -31337,34 +29951,7 @@
                 </a:solidFill>
                 <a:latin typeface="Consolas"/>
               </a:rPr>
-              <a:t> </a:t>
-            </a:r>
-            <a:r>
-              <a:rPr lang="en-GB" sz="3350" b="1" dirty="0" err="1">
-                <a:solidFill>
-                  <a:schemeClr val="bg1"/>
-                </a:solidFill>
-                <a:latin typeface="Consolas"/>
-              </a:rPr>
-              <a:t>индекс</a:t>
-            </a:r>
-            <a:r>
-              <a:rPr lang="en-GB" sz="3350" b="1" dirty="0">
-                <a:solidFill>
-                  <a:schemeClr val="bg1"/>
-                </a:solidFill>
-                <a:latin typeface="Consolas"/>
-              </a:rPr>
-              <a:t>, string </a:t>
-            </a:r>
-            <a:r>
-              <a:rPr lang="en-GB" sz="3350" b="1" dirty="0" err="1">
-                <a:solidFill>
-                  <a:schemeClr val="bg1"/>
-                </a:solidFill>
-                <a:latin typeface="Consolas"/>
-              </a:rPr>
-              <a:t>низ</a:t>
+              <a:t> индекс, string низ</a:t>
             </a:r>
             <a:r>
               <a:rPr lang="en-GB" sz="3350" dirty="0">
@@ -31382,45 +29969,9 @@
             </a:r>
             <a:r>
               <a:rPr lang="en-GB" sz="3350" dirty="0"/>
-              <a:t>–  </a:t>
-            </a:r>
-            <a:r>
-              <a:rPr lang="en-GB" sz="3350" dirty="0" err="1"/>
-              <a:t>вмъква</a:t>
-            </a:r>
-            <a:r>
-              <a:rPr lang="en-GB" sz="3350" dirty="0"/>
-              <a:t> </a:t>
-            </a:r>
-            <a:r>
-              <a:rPr lang="en-GB" sz="3350" dirty="0" err="1"/>
-              <a:t>низ</a:t>
-            </a:r>
-            <a:r>
-              <a:rPr lang="en-GB" sz="3350" dirty="0"/>
-              <a:t> </a:t>
-            </a:r>
-            <a:r>
-              <a:rPr lang="en-GB" sz="3350" dirty="0" err="1"/>
-              <a:t>на</a:t>
-            </a:r>
-            <a:r>
-              <a:rPr lang="en-GB" sz="3350" dirty="0"/>
-              <a:t> </a:t>
-            </a:r>
-            <a:r>
-              <a:rPr lang="en-GB" sz="3350" dirty="0" err="1"/>
-              <a:t>определен</a:t>
-            </a:r>
-            <a:r>
-              <a:rPr lang="en-GB" sz="3350" dirty="0"/>
-              <a:t> </a:t>
-            </a:r>
-            <a:r>
-              <a:rPr lang="en-GB" sz="3350" dirty="0" err="1"/>
-              <a:t>индекс</a:t>
-            </a:r>
-            <a:endParaRPr lang="en-US" sz="3350">
+              <a:t>–  вмъква низ на определен индекс</a:t>
+            </a:r>
+            <a:endParaRPr lang="en-US" sz="3350" dirty="0">
               <a:cs typeface="Calibri"/>
             </a:endParaRPr>
           </a:p>
@@ -32310,7 +30861,7 @@
               </a:rPr>
               <a:t>Определение и създаване</a:t>
             </a:r>
-            <a:endParaRPr lang="bg-BG" sz="3950"/>
+            <a:endParaRPr lang="bg-BG" sz="3950" dirty="0"/>
           </a:p>
         </p:txBody>
       </p:sp>
@@ -32336,34 +30887,13 @@
           <a:lstStyle/>
           <a:p>
             <a:r>
-              <a:rPr lang="en-GB" sz="5350" dirty="0" err="1">
-                <a:ea typeface="+mj-lt"/>
-                <a:cs typeface="+mj-lt"/>
-              </a:rPr>
-              <a:t>Какво</a:t>
-            </a:r>
-            <a:r>
               <a:rPr lang="en-GB" sz="5350" dirty="0">
                 <a:ea typeface="+mj-lt"/>
                 <a:cs typeface="+mj-lt"/>
               </a:rPr>
-              <a:t> е </a:t>
-            </a:r>
-            <a:r>
-              <a:rPr lang="en-GB" sz="5350" dirty="0" err="1">
-                <a:ea typeface="+mj-lt"/>
-                <a:cs typeface="+mj-lt"/>
-              </a:rPr>
-              <a:t>низ</a:t>
-            </a:r>
-            <a:r>
-              <a:rPr lang="en-GB" sz="5350" dirty="0">
-                <a:ea typeface="+mj-lt"/>
-                <a:cs typeface="+mj-lt"/>
-              </a:rPr>
-              <a:t>?</a:t>
-            </a:r>
-            <a:endParaRPr lang="bg-BG" sz="5350" b="0">
+              <a:t>Какво е низ?</a:t>
+            </a:r>
+            <a:endParaRPr lang="bg-BG" sz="5350" b="0" dirty="0">
               <a:ea typeface="+mj-lt"/>
               <a:cs typeface="+mj-lt"/>
             </a:endParaRPr>
@@ -33531,34 +32061,7 @@
                 </a:solidFill>
                 <a:latin typeface="Consolas"/>
               </a:rPr>
-              <a:t>, </a:t>
-            </a:r>
-            <a:r>
-              <a:rPr lang="en-GB" sz="3400" b="1" dirty="0" err="1">
-                <a:solidFill>
-                  <a:schemeClr val="bg1"/>
-                </a:solidFill>
-                <a:latin typeface="Consolas"/>
-              </a:rPr>
-              <a:t>нова</a:t>
-            </a:r>
-            <a:r>
-              <a:rPr lang="en-GB" sz="3400" b="1" dirty="0">
-                <a:solidFill>
-                  <a:schemeClr val="bg1"/>
-                </a:solidFill>
-                <a:latin typeface="Consolas"/>
-              </a:rPr>
-              <a:t> </a:t>
-            </a:r>
-            <a:r>
-              <a:rPr lang="en-GB" sz="3400" b="1" dirty="0" err="1">
-                <a:solidFill>
-                  <a:schemeClr val="bg1"/>
-                </a:solidFill>
-                <a:latin typeface="Consolas"/>
-              </a:rPr>
-              <a:t>стойност</a:t>
+              <a:t>, нова стойност</a:t>
             </a:r>
             <a:r>
               <a:rPr lang="en-GB" sz="3400" dirty="0">
@@ -33574,50 +32077,10 @@
               <a:rPr lang="en-GB" sz="3400" dirty="0"/>
             </a:br>
             <a:r>
-              <a:rPr lang="en-GB" sz="3400" dirty="0" err="1"/>
-              <a:t>заменя</a:t>
-            </a:r>
-            <a:r>
               <a:rPr lang="en-GB" sz="3400" dirty="0"/>
-              <a:t> </a:t>
-            </a:r>
-            <a:r>
-              <a:rPr lang="en-GB" sz="3400" dirty="0" err="1"/>
-              <a:t>всички</a:t>
-            </a:r>
-            <a:r>
-              <a:rPr lang="en-GB" sz="3400" dirty="0"/>
-              <a:t> </a:t>
-            </a:r>
-            <a:r>
-              <a:rPr lang="en-GB" sz="3400" dirty="0" err="1"/>
-              <a:t>стари</a:t>
-            </a:r>
-            <a:r>
-              <a:rPr lang="en-GB" sz="3400" dirty="0"/>
-              <a:t> </a:t>
-            </a:r>
-            <a:r>
-              <a:rPr lang="en-GB" sz="3400" dirty="0" err="1"/>
-              <a:t>стойности</a:t>
-            </a:r>
-            <a:r>
-              <a:rPr lang="en-GB" sz="3400" dirty="0"/>
-              <a:t> с </a:t>
-            </a:r>
-            <a:r>
-              <a:rPr lang="en-GB" sz="3400" dirty="0" err="1"/>
-              <a:t>нова</a:t>
-            </a:r>
-            <a:r>
-              <a:rPr lang="en-GB" sz="3400" dirty="0"/>
-              <a:t> </a:t>
-            </a:r>
-            <a:r>
-              <a:rPr lang="en-GB" sz="3400" dirty="0" err="1"/>
-              <a:t>стойност</a:t>
-            </a:r>
-            <a:endParaRPr lang="en-GB" sz="3400" dirty="0" err="1">
+              <a:t>заменя всички стари стойности с нова стойност</a:t>
+            </a:r>
+            <a:endParaRPr lang="en-GB" sz="3400" dirty="0">
               <a:cs typeface="Calibri"/>
             </a:endParaRPr>
           </a:p>
@@ -33684,25 +32147,17 @@
             </a:r>
             <a:r>
               <a:rPr lang="en-GB" sz="3400" dirty="0"/>
-              <a:t>– </a:t>
-            </a:r>
-            <a:r>
-              <a:rPr lang="en-GB" sz="3400" dirty="0" err="1"/>
-              <a:t>връща</a:t>
-            </a:r>
-            <a:r>
-              <a:rPr lang="en-GB" sz="3400" dirty="0"/>
-              <a:t> </a:t>
-            </a:r>
-            <a:r>
-              <a:rPr lang="en-GB" sz="3400" b="1" dirty="0" err="1">
+              <a:t>– връща </a:t>
+            </a:r>
+            <a:r>
+              <a:rPr lang="en-GB" sz="3400" b="1" dirty="0">
                 <a:solidFill>
                   <a:schemeClr val="bg1"/>
                 </a:solidFill>
               </a:rPr>
               <a:t>низ</a:t>
             </a:r>
-            <a:endParaRPr lang="en-GB" sz="3400" dirty="0" err="1">
+            <a:endParaRPr lang="en-GB" sz="3400" dirty="0">
               <a:solidFill>
                 <a:schemeClr val="bg1"/>
               </a:solidFill>
@@ -34657,28 +33112,8 @@
           <a:lstStyle/>
           <a:p>
             <a:r>
-              <a:rPr lang="en-US" sz="3950" dirty="0" err="1"/>
-              <a:t>Какво</a:t>
-            </a:r>
-            <a:r>
               <a:rPr lang="en-US" sz="3950" dirty="0"/>
-              <a:t> </a:t>
-            </a:r>
-            <a:r>
-              <a:rPr lang="en-US" sz="3950" dirty="0" err="1"/>
-              <a:t>научихме</a:t>
-            </a:r>
-            <a:r>
-              <a:rPr lang="en-US" sz="3950" dirty="0"/>
-              <a:t> </a:t>
-            </a:r>
-            <a:r>
-              <a:rPr lang="en-US" sz="3950" dirty="0" err="1"/>
-              <a:t>днес</a:t>
-            </a:r>
-            <a:r>
-              <a:rPr lang="en-US" sz="3950" dirty="0"/>
-              <a:t>? </a:t>
+              <a:t>Какво научихме днес? </a:t>
             </a:r>
             <a:endParaRPr lang="en-US" sz="3950" b="0" dirty="0">
               <a:ea typeface="+mj-lt"/>
@@ -35084,116 +33519,24 @@
               </a:spcBef>
             </a:pPr>
             <a:r>
-              <a:rPr lang="en-US" sz="3600" dirty="0" err="1">
+              <a:rPr lang="en-US" sz="3600" dirty="0">
                 <a:solidFill>
                   <a:schemeClr val="bg2"/>
                 </a:solidFill>
               </a:rPr>
-              <a:t>Низовете</a:t>
+              <a:t>Низовете са неизменими поредици от </a:t>
             </a:r>
             <a:r>
               <a:rPr lang="en-US" sz="3600" dirty="0">
-                <a:solidFill>
-                  <a:schemeClr val="bg2"/>
-                </a:solidFill>
-              </a:rPr>
-              <a:t> </a:t>
-            </a:r>
-            <a:r>
-              <a:rPr lang="en-US" sz="3600" dirty="0" err="1">
-                <a:solidFill>
-                  <a:schemeClr val="bg2"/>
-                </a:solidFill>
-              </a:rPr>
-              <a:t>са</a:t>
-            </a:r>
-            <a:r>
-              <a:rPr lang="en-US" sz="3600" dirty="0">
-                <a:solidFill>
-                  <a:schemeClr val="bg2"/>
-                </a:solidFill>
-              </a:rPr>
-              <a:t> </a:t>
-            </a:r>
-            <a:r>
-              <a:rPr lang="en-US" sz="3600" dirty="0" err="1">
-                <a:solidFill>
-                  <a:schemeClr val="bg2"/>
-                </a:solidFill>
-              </a:rPr>
-              <a:t>неизменими</a:t>
-            </a:r>
-            <a:r>
-              <a:rPr lang="en-US" sz="3600" dirty="0">
-                <a:solidFill>
-                  <a:schemeClr val="bg2"/>
-                </a:solidFill>
-              </a:rPr>
-              <a:t> </a:t>
-            </a:r>
-            <a:r>
-              <a:rPr lang="en-US" sz="3600" dirty="0" err="1">
-                <a:solidFill>
-                  <a:schemeClr val="bg2"/>
-                </a:solidFill>
-              </a:rPr>
-              <a:t>поредици</a:t>
-            </a:r>
-            <a:r>
-              <a:rPr lang="en-US" sz="3600" dirty="0">
-                <a:solidFill>
-                  <a:schemeClr val="bg2"/>
-                </a:solidFill>
-              </a:rPr>
-              <a:t> </a:t>
-            </a:r>
-            <a:r>
-              <a:rPr lang="en-US" sz="3600" dirty="0" err="1">
-                <a:solidFill>
-                  <a:schemeClr val="bg2"/>
-                </a:solidFill>
-              </a:rPr>
-              <a:t>от</a:t>
-            </a:r>
-            <a:r>
-              <a:rPr lang="en-US" sz="3600" dirty="0">
-                <a:solidFill>
-                  <a:schemeClr val="bg2"/>
-                </a:solidFill>
-              </a:rPr>
-              <a:t> </a:t>
-            </a:r>
-            <a:r>
-              <a:rPr lang="en-US" sz="3600" dirty="0" err="1">
                 <a:solidFill>
                   <a:schemeClr val="bg2"/>
                 </a:solidFill>
                 <a:ea typeface="+mn-lt"/>
                 <a:cs typeface="+mn-lt"/>
               </a:rPr>
-              <a:t>unicode</a:t>
-            </a:r>
-            <a:r>
-              <a:rPr lang="en-US" sz="3600" dirty="0">
-                <a:solidFill>
-                  <a:schemeClr val="bg2"/>
-                </a:solidFill>
-                <a:ea typeface="+mn-lt"/>
-                <a:cs typeface="+mn-lt"/>
-              </a:rPr>
-              <a:t> </a:t>
-            </a:r>
-            <a:r>
-              <a:rPr lang="en-US" sz="3600" dirty="0" err="1">
-                <a:solidFill>
-                  <a:schemeClr val="bg2"/>
-                </a:solidFill>
-                <a:ea typeface="+mn-lt"/>
-                <a:cs typeface="+mn-lt"/>
-              </a:rPr>
-              <a:t>знаци</a:t>
-            </a:r>
-            <a:endParaRPr lang="en-US" sz="3600" dirty="0" err="1">
+              <a:t>unicode знаци</a:t>
+            </a:r>
+            <a:endParaRPr lang="en-US" sz="3600" dirty="0">
               <a:solidFill>
                 <a:schemeClr val="bg2"/>
               </a:solidFill>
@@ -35207,78 +33550,14 @@
               </a:spcBef>
             </a:pPr>
             <a:r>
-              <a:rPr lang="en-US" sz="3600" dirty="0" err="1">
+              <a:rPr lang="en-US" sz="3600" dirty="0">
                 <a:solidFill>
                   <a:schemeClr val="bg2"/>
                 </a:solidFill>
               </a:rPr>
-              <a:t>Методи</a:t>
-            </a:r>
-            <a:r>
-              <a:rPr lang="en-US" sz="3600" dirty="0">
-                <a:solidFill>
-                  <a:schemeClr val="bg2"/>
-                </a:solidFill>
-              </a:rPr>
-              <a:t> </a:t>
-            </a:r>
-            <a:r>
-              <a:rPr lang="en-US" sz="3600" dirty="0" err="1">
-                <a:solidFill>
-                  <a:schemeClr val="bg2"/>
-                </a:solidFill>
-              </a:rPr>
-              <a:t>за</a:t>
-            </a:r>
-            <a:r>
-              <a:rPr lang="en-US" sz="3600" dirty="0">
-                <a:solidFill>
-                  <a:schemeClr val="bg2"/>
-                </a:solidFill>
-              </a:rPr>
-              <a:t> </a:t>
-            </a:r>
-            <a:r>
-              <a:rPr lang="en-US" sz="3600" dirty="0" err="1">
-                <a:solidFill>
-                  <a:schemeClr val="bg2"/>
-                </a:solidFill>
-              </a:rPr>
-              <a:t>операции</a:t>
-            </a:r>
-            <a:r>
-              <a:rPr lang="en-US" sz="3600" dirty="0">
-                <a:solidFill>
-                  <a:schemeClr val="bg2"/>
-                </a:solidFill>
-              </a:rPr>
-              <a:t> </a:t>
-            </a:r>
-            <a:r>
-              <a:rPr lang="en-US" sz="3600" dirty="0" err="1">
-                <a:solidFill>
-                  <a:schemeClr val="bg2"/>
-                </a:solidFill>
-              </a:rPr>
-              <a:t>на</a:t>
-            </a:r>
-            <a:r>
-              <a:rPr lang="en-US" sz="3600" dirty="0">
-                <a:solidFill>
-                  <a:schemeClr val="bg2"/>
-                </a:solidFill>
-              </a:rPr>
-              <a:t> </a:t>
-            </a:r>
-            <a:r>
-              <a:rPr lang="en-US" sz="3600" dirty="0" err="1">
-                <a:solidFill>
-                  <a:schemeClr val="bg2"/>
-                </a:solidFill>
-              </a:rPr>
-              <a:t>низ</a:t>
-            </a:r>
-            <a:endParaRPr lang="en-US" sz="3600" dirty="0" err="1">
+              <a:t>Методи за операции на низ</a:t>
+            </a:r>
+            <a:endParaRPr lang="en-US" sz="3600" dirty="0">
               <a:solidFill>
                 <a:schemeClr val="bg2"/>
               </a:solidFill>
@@ -35490,76 +33769,12 @@
               <a:t>за </a:t>
             </a:r>
             <a:r>
-              <a:rPr lang="en-US" sz="3600" dirty="0" err="1">
+              <a:rPr lang="en-US" sz="3600" dirty="0">
                 <a:solidFill>
                   <a:schemeClr val="bg2"/>
                 </a:solidFill>
               </a:rPr>
-              <a:t>ефективно</a:t>
-            </a:r>
-            <a:r>
-              <a:rPr lang="en-US" sz="3600" dirty="0">
-                <a:solidFill>
-                  <a:schemeClr val="bg2"/>
-                </a:solidFill>
-              </a:rPr>
-              <a:t> </a:t>
-            </a:r>
-            <a:r>
-              <a:rPr lang="en-US" sz="3600" dirty="0" err="1">
-                <a:solidFill>
-                  <a:schemeClr val="bg2"/>
-                </a:solidFill>
-              </a:rPr>
-              <a:t>изгражадане</a:t>
-            </a:r>
-            <a:r>
-              <a:rPr lang="en-US" sz="3600" dirty="0">
-                <a:solidFill>
-                  <a:schemeClr val="bg2"/>
-                </a:solidFill>
-              </a:rPr>
-              <a:t> / </a:t>
-            </a:r>
-            <a:r>
-              <a:rPr lang="en-US" sz="3600" dirty="0" err="1">
-                <a:solidFill>
-                  <a:schemeClr val="bg2"/>
-                </a:solidFill>
-              </a:rPr>
-              <a:t>модефикация</a:t>
-            </a:r>
-            <a:r>
-              <a:rPr lang="en-US" sz="3600" dirty="0">
-                <a:solidFill>
-                  <a:schemeClr val="bg2"/>
-                </a:solidFill>
-              </a:rPr>
-              <a:t> </a:t>
-            </a:r>
-            <a:r>
-              <a:rPr lang="en-US" sz="3600" dirty="0" err="1">
-                <a:solidFill>
-                  <a:schemeClr val="bg2"/>
-                </a:solidFill>
-              </a:rPr>
-              <a:t>на</a:t>
-            </a:r>
-            <a:r>
-              <a:rPr lang="en-US" sz="3600" dirty="0">
-                <a:solidFill>
-                  <a:schemeClr val="bg2"/>
-                </a:solidFill>
-              </a:rPr>
-              <a:t> </a:t>
-            </a:r>
-            <a:r>
-              <a:rPr lang="en-US" sz="3600" dirty="0" err="1">
-                <a:solidFill>
-                  <a:schemeClr val="bg2"/>
-                </a:solidFill>
-              </a:rPr>
-              <a:t>низ</a:t>
+              <a:t>ефективно изгражадане / модефикация на низ</a:t>
             </a:r>
             <a:endParaRPr lang="en-US" sz="3600" dirty="0">
               <a:solidFill>
@@ -35880,14 +34095,14 @@
           <a:lstStyle/>
           <a:p>
             <a:r>
-              <a:rPr lang="en-US" sz="8800">
+              <a:rPr lang="en-US" sz="8800" dirty="0">
                 <a:solidFill>
                   <a:srgbClr val="234465"/>
                 </a:solidFill>
               </a:rPr>
               <a:t>Въпроси?</a:t>
             </a:r>
-            <a:endParaRPr lang="en-US" sz="8800"/>
+            <a:endParaRPr lang="en-US" sz="8800" dirty="0"/>
           </a:p>
         </p:txBody>
       </p:sp>
@@ -35961,34 +34176,34 @@
               </a:lnSpc>
             </a:pPr>
             <a:r>
-              <a:rPr lang="bg-BG"/>
+              <a:rPr lang="bg-BG" dirty="0"/>
               <a:t>Този курс</a:t>
             </a:r>
             <a:r>
-              <a:rPr lang="en-US"/>
+              <a:rPr lang="en-US" dirty="0"/>
               <a:t> (</a:t>
             </a:r>
             <a:r>
-              <a:rPr lang="bg-BG"/>
+              <a:rPr lang="bg-BG" dirty="0"/>
               <a:t>презентации, примери, демонстрационен код, упражнения, домашни, видео и други активи</a:t>
             </a:r>
             <a:r>
-              <a:rPr lang="en-US"/>
+              <a:rPr lang="en-US" dirty="0"/>
               <a:t>) </a:t>
             </a:r>
             <a:r>
-              <a:rPr lang="bg-BG"/>
+              <a:rPr lang="bg-BG" dirty="0"/>
               <a:t>представлява</a:t>
             </a:r>
             <a:r>
-              <a:rPr lang="en-US"/>
+              <a:rPr lang="en-US" dirty="0"/>
               <a:t> </a:t>
             </a:r>
             <a:r>
-              <a:rPr lang="bg-BG" b="1"/>
+              <a:rPr lang="bg-BG" b="1" dirty="0"/>
               <a:t>защитено авторско съдържание</a:t>
             </a:r>
-            <a:endParaRPr lang="en-US"/>
+            <a:endParaRPr lang="en-US" dirty="0"/>
           </a:p>
           <a:p>
             <a:pPr>
@@ -35997,15 +34212,15 @@
               </a:lnSpc>
             </a:pPr>
             <a:r>
-              <a:rPr lang="bg-BG"/>
+              <a:rPr lang="bg-BG" dirty="0"/>
               <a:t>Нерегламентирано копиране</a:t>
             </a:r>
             <a:r>
-              <a:rPr lang="en-US"/>
+              <a:rPr lang="en-US" dirty="0"/>
               <a:t>,</a:t>
             </a:r>
             <a:r>
-              <a:rPr lang="bg-BG"/>
+              <a:rPr lang="bg-BG" dirty="0"/>
               <a:t> разпространение или използване е незаконно</a:t>
             </a:r>
           </a:p>
@@ -36016,24 +34231,24 @@
               </a:lnSpc>
             </a:pPr>
             <a:r>
-              <a:rPr lang="en-US"/>
+              <a:rPr lang="en-US" dirty="0"/>
               <a:t>© </a:t>
             </a:r>
             <a:r>
-              <a:rPr lang="bg-BG"/>
+              <a:rPr lang="bg-BG" dirty="0"/>
               <a:t>СофтУни</a:t>
             </a:r>
             <a:r>
-              <a:rPr lang="en-US"/>
+              <a:rPr lang="en-US" dirty="0"/>
               <a:t> – </a:t>
             </a:r>
             <a:r>
-              <a:rPr lang="en-US">
+              <a:rPr lang="en-US" dirty="0">
                 <a:hlinkClick r:id="rId3"/>
               </a:rPr>
               <a:t>https://softuni.org</a:t>
             </a:r>
-            <a:endParaRPr lang="en-US"/>
+            <a:endParaRPr lang="en-US" dirty="0"/>
           </a:p>
           <a:p>
             <a:pPr>
@@ -36042,24 +34257,24 @@
               </a:lnSpc>
             </a:pPr>
             <a:r>
-              <a:rPr lang="en-US"/>
+              <a:rPr lang="en-US" dirty="0"/>
               <a:t>© </a:t>
             </a:r>
             <a:r>
-              <a:rPr lang="bg-BG"/>
+              <a:rPr lang="bg-BG" dirty="0"/>
               <a:t>Софтуерен университет</a:t>
             </a:r>
             <a:r>
-              <a:rPr lang="en-US"/>
+              <a:rPr lang="en-US" dirty="0"/>
               <a:t> – </a:t>
             </a:r>
             <a:r>
-              <a:rPr lang="en-US">
+              <a:rPr lang="en-US" dirty="0">
                 <a:hlinkClick r:id="rId4"/>
               </a:rPr>
               <a:t>https://softuni.bg</a:t>
             </a:r>
-            <a:endParaRPr lang="bg-BG"/>
+            <a:endParaRPr lang="bg-BG" dirty="0"/>
           </a:p>
           <a:p>
             <a:pPr>
@@ -36067,7 +34282,7 @@
                 <a:spcPct val="120000"/>
               </a:lnSpc>
             </a:pPr>
-            <a:endParaRPr lang="bg-BG"/>
+            <a:endParaRPr lang="bg-BG" dirty="0"/>
           </a:p>
         </p:txBody>
       </p:sp>
@@ -36134,7 +34349,7 @@
           <a:lstStyle/>
           <a:p>
             <a:r>
-              <a:rPr lang="bg-BG"/>
+              <a:rPr lang="bg-BG" dirty="0"/>
               <a:t>Лиценз</a:t>
             </a:r>
           </a:p>
@@ -36178,7 +34393,7 @@
               <a:pPr/>
               <a:t>33</a:t>
             </a:fld>
-            <a:endParaRPr lang="en-US" noProof="0"/>
+            <a:endParaRPr lang="en-US" noProof="0" dirty="0"/>
           </a:p>
         </p:txBody>
       </p:sp>
@@ -36248,72 +34463,20 @@
               </a:lnSpc>
             </a:pPr>
             <a:r>
-              <a:rPr lang="en-US" sz="3300" dirty="0" err="1"/>
-              <a:t>Низът</a:t>
-            </a:r>
-            <a:r>
               <a:rPr lang="en-US" sz="3300" dirty="0"/>
-              <a:t> е </a:t>
-            </a:r>
-            <a:r>
-              <a:rPr lang="en-US" sz="3300" b="1" dirty="0" err="1">
+              <a:t>Низът е </a:t>
+            </a:r>
+            <a:r>
+              <a:rPr lang="en-US" sz="3300" b="1" dirty="0">
                 <a:solidFill>
                   <a:schemeClr val="bg1"/>
                 </a:solidFill>
               </a:rPr>
-              <a:t>редица</a:t>
-            </a:r>
-            <a:r>
-              <a:rPr lang="en-US" sz="3300" b="1" dirty="0">
-                <a:solidFill>
-                  <a:schemeClr val="bg1"/>
-                </a:solidFill>
-              </a:rPr>
-              <a:t> </a:t>
-            </a:r>
-            <a:r>
-              <a:rPr lang="en-US" sz="3300" b="1" dirty="0" err="1">
-                <a:solidFill>
-                  <a:schemeClr val="bg1"/>
-                </a:solidFill>
-              </a:rPr>
-              <a:t>от</a:t>
-            </a:r>
-            <a:r>
-              <a:rPr lang="en-US" sz="3300" b="1" dirty="0">
-                <a:solidFill>
-                  <a:schemeClr val="bg1"/>
-                </a:solidFill>
-              </a:rPr>
-              <a:t> </a:t>
-            </a:r>
-            <a:r>
-              <a:rPr lang="en-US" sz="3300" b="1" dirty="0" err="1">
-                <a:solidFill>
-                  <a:schemeClr val="bg1"/>
-                </a:solidFill>
-              </a:rPr>
-              <a:t>символи</a:t>
-            </a:r>
-            <a:r>
-              <a:rPr lang="en-US" sz="3300" b="1" dirty="0">
-                <a:solidFill>
-                  <a:schemeClr val="bg1"/>
-                </a:solidFill>
-              </a:rPr>
-              <a:t> </a:t>
+              <a:t>редица от символи </a:t>
             </a:r>
             <a:r>
               <a:rPr lang="en-US" sz="3300" dirty="0"/>
-              <a:t>(</a:t>
-            </a:r>
-            <a:r>
-              <a:rPr lang="en-US" sz="3300" dirty="0" err="1"/>
-              <a:t>текст</a:t>
-            </a:r>
-            <a:r>
-              <a:rPr lang="en-US" sz="3300" dirty="0"/>
-              <a:t>)</a:t>
+              <a:t>(текст)</a:t>
             </a:r>
             <a:endParaRPr lang="bg-BG" sz="3300" dirty="0">
               <a:cs typeface="Calibri"/>
@@ -36326,44 +34489,16 @@
               </a:lnSpc>
             </a:pPr>
             <a:r>
-              <a:rPr lang="en-US" sz="3300" dirty="0" err="1"/>
-              <a:t>Низът</a:t>
-            </a:r>
-            <a:r>
               <a:rPr lang="en-US" sz="3300" dirty="0"/>
-              <a:t> е </a:t>
-            </a:r>
-            <a:r>
-              <a:rPr lang="en-US" sz="3300" b="1" dirty="0" err="1">
+              <a:t>Низът е </a:t>
+            </a:r>
+            <a:r>
+              <a:rPr lang="en-US" sz="3300" b="1" dirty="0">
                 <a:solidFill>
                   <a:schemeClr val="bg1"/>
                 </a:solidFill>
               </a:rPr>
-              <a:t>тип</a:t>
-            </a:r>
-            <a:r>
-              <a:rPr lang="en-US" sz="3300" b="1" dirty="0">
-                <a:solidFill>
-                  <a:schemeClr val="bg1"/>
-                </a:solidFill>
-              </a:rPr>
-              <a:t> </a:t>
-            </a:r>
-            <a:r>
-              <a:rPr lang="en-US" sz="3300" b="1" dirty="0" err="1">
-                <a:solidFill>
-                  <a:schemeClr val="bg1"/>
-                </a:solidFill>
-              </a:rPr>
-              <a:t>данни</a:t>
-            </a:r>
-            <a:r>
-              <a:rPr lang="en-US" sz="3300" b="1" dirty="0">
-                <a:solidFill>
-                  <a:schemeClr val="bg1"/>
-                </a:solidFill>
-              </a:rPr>
-              <a:t> </a:t>
+              <a:t>тип данни </a:t>
             </a:r>
             <a:r>
               <a:rPr lang="en-US" sz="3300" dirty="0"/>
@@ -36380,48 +34515,15 @@
               </a:lnSpc>
             </a:pPr>
             <a:r>
-              <a:rPr lang="en-US" sz="3300" dirty="0" err="1"/>
-              <a:t>Декларира</a:t>
-            </a:r>
-            <a:r>
               <a:rPr lang="en-US" sz="3300" dirty="0"/>
-              <a:t> </a:t>
-            </a:r>
-            <a:r>
-              <a:rPr lang="en-US" sz="3300" dirty="0" err="1"/>
-              <a:t>се</a:t>
-            </a:r>
-            <a:r>
-              <a:rPr lang="en-US" sz="3300" dirty="0"/>
-              <a:t> с</a:t>
+              <a:t>Декларира се с</a:t>
             </a:r>
             <a:r>
               <a:rPr lang="en-US" sz="3300" dirty="0">
                 <a:latin typeface="Calibri"/>
                 <a:cs typeface="Calibri"/>
               </a:rPr>
-              <a:t> </a:t>
-            </a:r>
-            <a:r>
-              <a:rPr lang="en-US" sz="3300" dirty="0" err="1">
-                <a:latin typeface="Calibri"/>
-                <a:cs typeface="Calibri"/>
-              </a:rPr>
-              <a:t>ключувата</a:t>
-            </a:r>
-            <a:r>
-              <a:rPr lang="en-US" sz="3300" dirty="0">
-                <a:latin typeface="Calibri"/>
-                <a:cs typeface="Calibri"/>
-              </a:rPr>
-              <a:t> </a:t>
-            </a:r>
-            <a:r>
-              <a:rPr lang="en-US" sz="3300" dirty="0" err="1">
-                <a:latin typeface="Calibri"/>
-                <a:cs typeface="Calibri"/>
-              </a:rPr>
-              <a:t>дума</a:t>
+              <a:t> ключувата дума</a:t>
             </a:r>
             <a:r>
               <a:rPr lang="en-US" sz="3300" dirty="0">
@@ -36457,16 +34559,8 @@
               </a:lnSpc>
             </a:pPr>
             <a:r>
-              <a:rPr lang="en-US" sz="3300" dirty="0" err="1"/>
-              <a:t>Тя</a:t>
-            </a:r>
-            <a:r>
               <a:rPr lang="en-US" sz="3300" dirty="0"/>
-              <a:t> е </a:t>
-            </a:r>
-            <a:r>
-              <a:rPr lang="en-US" sz="3300" dirty="0" err="1"/>
-              <a:t>от</a:t>
+              <a:t>Тя е от</a:t>
             </a:r>
             <a:r>
               <a:rPr lang="en-US" sz="3300" dirty="0">
@@ -36489,21 +34583,9 @@
             </a:r>
             <a:r>
               <a:rPr lang="en-US" sz="3300" dirty="0"/>
-              <a:t> .NET </a:t>
-            </a:r>
-            <a:r>
-              <a:rPr lang="en-US" sz="3300" dirty="0" err="1"/>
-              <a:t>тип</a:t>
-            </a:r>
-            <a:r>
-              <a:rPr lang="en-US" sz="3300" dirty="0"/>
-              <a:t> </a:t>
-            </a:r>
-            <a:r>
-              <a:rPr lang="en-US" sz="3300" dirty="0" err="1"/>
-              <a:t>данни</a:t>
-            </a:r>
-            <a:endParaRPr lang="en-US" sz="3300" dirty="0" err="1">
+              <a:t> .NET тип данни</a:t>
+            </a:r>
+            <a:endParaRPr lang="en-US" sz="3300" dirty="0">
               <a:cs typeface="Calibri"/>
             </a:endParaRPr>
           </a:p>
@@ -36514,36 +34596,8 @@
               </a:lnSpc>
             </a:pPr>
             <a:r>
-              <a:rPr lang="en-US" sz="3300" dirty="0" err="1"/>
-              <a:t>Низовете</a:t>
-            </a:r>
-            <a:r>
               <a:rPr lang="en-US" sz="3300" dirty="0"/>
-              <a:t> </a:t>
-            </a:r>
-            <a:r>
-              <a:rPr lang="en-US" sz="3300" dirty="0" err="1"/>
-              <a:t>са</a:t>
-            </a:r>
-            <a:r>
-              <a:rPr lang="en-US" sz="3300" dirty="0"/>
-              <a:t> </a:t>
-            </a:r>
-            <a:r>
-              <a:rPr lang="en-US" sz="3300" dirty="0" err="1"/>
-              <a:t>обградени</a:t>
-            </a:r>
-            <a:r>
-              <a:rPr lang="en-US" sz="3300" dirty="0"/>
-              <a:t> в </a:t>
-            </a:r>
-            <a:r>
-              <a:rPr lang="en-US" sz="3300" dirty="0" err="1"/>
-              <a:t>кавички</a:t>
-            </a:r>
-            <a:r>
-              <a:rPr lang="en-US" sz="3300" dirty="0"/>
-              <a:t>:</a:t>
+              <a:t>Низовете са обградени в кавички:</a:t>
             </a:r>
             <a:endParaRPr lang="en-US" sz="3300" dirty="0">
               <a:cs typeface="Calibri"/>
@@ -36566,40 +34620,8 @@
               </a:lnSpc>
             </a:pPr>
             <a:r>
-              <a:rPr lang="en-US" sz="3300" dirty="0" err="1"/>
-              <a:t>Конкатенация</a:t>
-            </a:r>
-            <a:r>
               <a:rPr lang="en-US" sz="3300" dirty="0"/>
-              <a:t> </a:t>
-            </a:r>
-            <a:r>
-              <a:rPr lang="en-US" sz="3300" dirty="0" err="1"/>
-              <a:t>на</a:t>
-            </a:r>
-            <a:r>
-              <a:rPr lang="en-US" sz="3300" dirty="0"/>
-              <a:t> </a:t>
-            </a:r>
-            <a:r>
-              <a:rPr lang="en-US" sz="3300" dirty="0" err="1"/>
-              <a:t>два</a:t>
-            </a:r>
-            <a:r>
-              <a:rPr lang="en-US" sz="3300" dirty="0"/>
-              <a:t> </a:t>
-            </a:r>
-            <a:r>
-              <a:rPr lang="en-US" sz="3300" dirty="0" err="1"/>
-              <a:t>низа</a:t>
-            </a:r>
-            <a:r>
-              <a:rPr lang="en-US" sz="3300" dirty="0"/>
-              <a:t> </a:t>
-            </a:r>
-            <a:r>
-              <a:rPr lang="en-US" sz="3300" dirty="0" err="1"/>
-              <a:t>се</a:t>
+              <a:t>Конкатенация на два низа се</a:t>
             </a:r>
             <a:r>
               <a:rPr lang="bg-BG" sz="3300" dirty="0"/>
@@ -36643,20 +34665,8 @@
           <a:lstStyle/>
           <a:p>
             <a:r>
-              <a:rPr lang="en-US" sz="3950" dirty="0" err="1"/>
-              <a:t>Какво</a:t>
-            </a:r>
-            <a:r>
               <a:rPr lang="en-US" sz="3950" dirty="0"/>
-              <a:t> е </a:t>
-            </a:r>
-            <a:r>
-              <a:rPr lang="en-US" sz="3950" dirty="0" err="1"/>
-              <a:t>низ</a:t>
-            </a:r>
-            <a:r>
-              <a:rPr lang="en-US" sz="3950" dirty="0"/>
-              <a:t>?</a:t>
+              <a:t>Какво е низ?</a:t>
             </a:r>
             <a:endParaRPr lang="bg-BG" sz="3950" dirty="0">
               <a:cs typeface="Calibri"/>
@@ -37437,146 +35447,48 @@
               </a:spcBef>
             </a:pPr>
             <a:r>
-              <a:rPr lang="en-US" sz="3600" dirty="0" err="1">
-                <a:ea typeface="+mn-lt"/>
-                <a:cs typeface="+mn-lt"/>
-              </a:rPr>
-              <a:t>Низовете</a:t>
-            </a:r>
-            <a:r>
               <a:rPr lang="en-US" sz="3600" dirty="0">
                 <a:ea typeface="+mn-lt"/>
                 <a:cs typeface="+mn-lt"/>
               </a:rPr>
-              <a:t> </a:t>
-            </a:r>
-            <a:r>
-              <a:rPr lang="en-US" sz="3600" dirty="0" err="1">
+              <a:t>Низовете са </a:t>
+            </a:r>
+            <a:r>
+              <a:rPr lang="en-US" sz="3600" b="1" dirty="0">
+                <a:solidFill>
+                  <a:schemeClr val="bg1"/>
+                </a:solidFill>
                 <a:ea typeface="+mn-lt"/>
                 <a:cs typeface="+mn-lt"/>
               </a:rPr>
-              <a:t>са</a:t>
+              <a:t>неизмени</a:t>
+            </a:r>
+            <a:r>
+              <a:rPr lang="bg-BG" sz="3600" b="1" dirty="0">
+                <a:solidFill>
+                  <a:schemeClr val="bg1"/>
+                </a:solidFill>
+                <a:ea typeface="+mn-lt"/>
+                <a:cs typeface="+mn-lt"/>
+              </a:rPr>
+              <a:t>ми</a:t>
+            </a:r>
+            <a:r>
+              <a:rPr lang="en-US" sz="3600" b="1" dirty="0">
+                <a:solidFill>
+                  <a:schemeClr val="bg1"/>
+                </a:solidFill>
+                <a:ea typeface="+mn-lt"/>
+                <a:cs typeface="+mn-lt"/>
+              </a:rPr>
+              <a:t> </a:t>
             </a:r>
             <a:r>
               <a:rPr lang="en-US" sz="3600" dirty="0">
                 <a:ea typeface="+mn-lt"/>
                 <a:cs typeface="+mn-lt"/>
               </a:rPr>
-              <a:t> </a:t>
-            </a:r>
-            <a:r>
-              <a:rPr lang="en-US" sz="3600" b="1" dirty="0" err="1">
-                <a:solidFill>
-                  <a:schemeClr val="bg1"/>
-                </a:solidFill>
-                <a:ea typeface="+mn-lt"/>
-                <a:cs typeface="+mn-lt"/>
-              </a:rPr>
-              <a:t>неизмени</a:t>
-            </a:r>
-            <a:r>
-              <a:rPr lang="bg-BG" sz="3600" b="1" dirty="0">
-                <a:solidFill>
-                  <a:schemeClr val="bg1"/>
-                </a:solidFill>
-                <a:ea typeface="+mn-lt"/>
-                <a:cs typeface="+mn-lt"/>
-              </a:rPr>
-              <a:t>ми</a:t>
-            </a:r>
-            <a:r>
-              <a:rPr lang="en-US" sz="3600" b="1" dirty="0">
-                <a:solidFill>
-                  <a:schemeClr val="bg1"/>
-                </a:solidFill>
-                <a:ea typeface="+mn-lt"/>
-                <a:cs typeface="+mn-lt"/>
-              </a:rPr>
-              <a:t> </a:t>
-            </a:r>
-            <a:r>
-              <a:rPr lang="en-US" sz="3600" dirty="0">
-                <a:ea typeface="+mn-lt"/>
-                <a:cs typeface="+mn-lt"/>
-              </a:rPr>
-              <a:t>(</a:t>
-            </a:r>
-            <a:r>
-              <a:rPr lang="en-US" sz="3600" dirty="0" err="1">
-                <a:ea typeface="+mn-lt"/>
-                <a:cs typeface="+mn-lt"/>
-              </a:rPr>
-              <a:t>само</a:t>
-            </a:r>
-            <a:r>
-              <a:rPr lang="en-US" sz="3600" dirty="0">
-                <a:ea typeface="+mn-lt"/>
-                <a:cs typeface="+mn-lt"/>
-              </a:rPr>
-              <a:t> </a:t>
-            </a:r>
-            <a:r>
-              <a:rPr lang="en-US" sz="3600" dirty="0" err="1">
-                <a:ea typeface="+mn-lt"/>
-                <a:cs typeface="+mn-lt"/>
-              </a:rPr>
-              <a:t>за</a:t>
-            </a:r>
-            <a:r>
-              <a:rPr lang="en-US" sz="3600" dirty="0">
-                <a:ea typeface="+mn-lt"/>
-                <a:cs typeface="+mn-lt"/>
-              </a:rPr>
-              <a:t> </a:t>
-            </a:r>
-            <a:r>
-              <a:rPr lang="en-US" sz="3600" dirty="0" err="1">
-                <a:ea typeface="+mn-lt"/>
-                <a:cs typeface="+mn-lt"/>
-              </a:rPr>
-              <a:t>четене</a:t>
-            </a:r>
-            <a:r>
-              <a:rPr lang="en-US" sz="3600" dirty="0">
-                <a:ea typeface="+mn-lt"/>
-                <a:cs typeface="+mn-lt"/>
-              </a:rPr>
-              <a:t>) </a:t>
-            </a:r>
-            <a:r>
-              <a:rPr lang="en-US" sz="3600" dirty="0" err="1">
-                <a:ea typeface="+mn-lt"/>
-                <a:cs typeface="+mn-lt"/>
-              </a:rPr>
-              <a:t>поредици</a:t>
-            </a:r>
-            <a:r>
-              <a:rPr lang="en-US" sz="3600" dirty="0">
-                <a:ea typeface="+mn-lt"/>
-                <a:cs typeface="+mn-lt"/>
-              </a:rPr>
-              <a:t> </a:t>
-            </a:r>
-            <a:r>
-              <a:rPr lang="en-US" sz="3600" dirty="0" err="1">
-                <a:ea typeface="+mn-lt"/>
-                <a:cs typeface="+mn-lt"/>
-              </a:rPr>
-              <a:t>от</a:t>
-            </a:r>
-            <a:r>
-              <a:rPr lang="en-US" sz="3600" dirty="0">
-                <a:ea typeface="+mn-lt"/>
-                <a:cs typeface="+mn-lt"/>
-              </a:rPr>
-              <a:t> </a:t>
-            </a:r>
-            <a:r>
-              <a:rPr lang="en-US" sz="3600" dirty="0" err="1">
-                <a:ea typeface="+mn-lt"/>
-                <a:cs typeface="+mn-lt"/>
-              </a:rPr>
-              <a:t>символи</a:t>
+              <a:t>(само за четене) поредици от символи</a:t>
             </a:r>
             <a:endParaRPr lang="bg-BG" sz="3350" dirty="0">
               <a:cs typeface="Calibri"/>
@@ -37592,72 +35504,20 @@
               </a:spcBef>
             </a:pPr>
             <a:r>
-              <a:rPr lang="en-US" sz="3600" dirty="0" err="1"/>
-              <a:t>Достъпват</a:t>
-            </a:r>
-            <a:r>
               <a:rPr lang="en-US" sz="3600" dirty="0"/>
-              <a:t> </a:t>
-            </a:r>
-            <a:r>
-              <a:rPr lang="en-US" sz="3600" dirty="0" err="1"/>
-              <a:t>се</a:t>
+              <a:t>Достъпват се чрез </a:t>
+            </a:r>
+            <a:r>
+              <a:rPr lang="en-US" sz="3600" b="1" dirty="0">
+                <a:solidFill>
+                  <a:schemeClr val="bg1"/>
+                </a:solidFill>
+              </a:rPr>
+              <a:t>индекс </a:t>
             </a:r>
             <a:r>
               <a:rPr lang="en-US" sz="3600" dirty="0"/>
-              <a:t> </a:t>
-            </a:r>
-            <a:r>
-              <a:rPr lang="en-US" sz="3600" dirty="0" err="1"/>
-              <a:t>чрез</a:t>
-            </a:r>
-            <a:r>
-              <a:rPr lang="en-US" sz="3600" dirty="0"/>
-              <a:t> </a:t>
-            </a:r>
-            <a:r>
-              <a:rPr lang="en-US" sz="3600" b="1" dirty="0" err="1">
-                <a:solidFill>
-                  <a:schemeClr val="bg1"/>
-                </a:solidFill>
-              </a:rPr>
-              <a:t>индекс</a:t>
-            </a:r>
-            <a:r>
-              <a:rPr lang="en-US" sz="3600" b="1" dirty="0">
-                <a:solidFill>
-                  <a:schemeClr val="bg1"/>
-                </a:solidFill>
-              </a:rPr>
-              <a:t> </a:t>
-            </a:r>
-            <a:r>
-              <a:rPr lang="en-US" sz="3600" dirty="0"/>
-              <a:t>(</a:t>
-            </a:r>
-            <a:r>
-              <a:rPr lang="en-US" sz="3600" dirty="0" err="1"/>
-              <a:t>само</a:t>
-            </a:r>
-            <a:r>
-              <a:rPr lang="en-US" sz="3600" dirty="0"/>
-              <a:t> </a:t>
-            </a:r>
-            <a:r>
-              <a:rPr lang="en-US" sz="3600" dirty="0" err="1"/>
-              <a:t>за</a:t>
-            </a:r>
-            <a:r>
-              <a:rPr lang="en-US" sz="3600" dirty="0"/>
-              <a:t> </a:t>
-            </a:r>
-            <a:r>
-              <a:rPr lang="en-US" sz="3600" dirty="0" err="1"/>
-              <a:t>четене</a:t>
-            </a:r>
-            <a:r>
-              <a:rPr lang="en-US" sz="3600" dirty="0"/>
-              <a:t>)</a:t>
+              <a:t>(само за четене)</a:t>
             </a:r>
             <a:endParaRPr lang="en-US" sz="3600" dirty="0">
               <a:cs typeface="Calibri"/>
@@ -37698,23 +35558,11 @@
               </a:spcBef>
             </a:pPr>
             <a:r>
-              <a:rPr lang="en-US" sz="3600" dirty="0" err="1"/>
-              <a:t>Низовете</a:t>
-            </a:r>
-            <a:r>
               <a:rPr lang="en-US" sz="3600" dirty="0"/>
-              <a:t> </a:t>
-            </a:r>
-            <a:r>
-              <a:rPr lang="en-US" sz="3600" dirty="0" err="1"/>
-              <a:t>са</a:t>
-            </a:r>
-            <a:r>
-              <a:rPr lang="en-US" sz="3600" dirty="0"/>
-              <a:t> </a:t>
-            </a:r>
-            <a:r>
-              <a:rPr lang="en-US" sz="3600" b="1" dirty="0" err="1">
+              <a:t>Низовете са </a:t>
+            </a:r>
+            <a:r>
+              <a:rPr lang="en-US" sz="3600" b="1" dirty="0">
                 <a:solidFill>
                   <a:schemeClr val="bg1"/>
                 </a:solidFill>
@@ -37761,14 +35609,10 @@
           <a:lstStyle/>
           <a:p>
             <a:r>
-              <a:rPr lang="en-US" sz="3950" dirty="0" err="1"/>
-              <a:t>Низове</a:t>
-            </a:r>
-            <a:r>
               <a:rPr lang="en-US" sz="3950" dirty="0"/>
-              <a:t> в C#</a:t>
-            </a:r>
-            <a:endParaRPr lang="bg-BG" sz="3950">
+              <a:t>Низове в C#</a:t>
+            </a:r>
+            <a:endParaRPr lang="bg-BG" sz="3950" dirty="0">
               <a:cs typeface="Calibri"/>
             </a:endParaRPr>
           </a:p>
@@ -38622,46 +36466,11 @@
           <a:p>
             <a:pPr marL="360045" indent="-360045"/>
             <a:r>
-              <a:rPr lang="en-US" sz="3350" dirty="0" err="1">
-                <a:ea typeface="+mn-lt"/>
-                <a:cs typeface="+mn-lt"/>
-              </a:rPr>
-              <a:t>Низът</a:t>
-            </a:r>
-            <a:r>
               <a:rPr lang="en-US" sz="3350" dirty="0">
                 <a:ea typeface="+mn-lt"/>
                 <a:cs typeface="+mn-lt"/>
               </a:rPr>
-              <a:t> </a:t>
-            </a:r>
-            <a:r>
-              <a:rPr lang="en-US" sz="3350" dirty="0" err="1">
-                <a:ea typeface="+mn-lt"/>
-                <a:cs typeface="+mn-lt"/>
-              </a:rPr>
-              <a:t>се</a:t>
-            </a:r>
-            <a:r>
-              <a:rPr lang="en-US" sz="3350" dirty="0">
-                <a:ea typeface="+mn-lt"/>
-                <a:cs typeface="+mn-lt"/>
-              </a:rPr>
-              <a:t> </a:t>
-            </a:r>
-            <a:r>
-              <a:rPr lang="en-US" sz="3350" dirty="0" err="1">
-                <a:ea typeface="+mn-lt"/>
-                <a:cs typeface="+mn-lt"/>
-              </a:rPr>
-              <a:t>инициализира</a:t>
-            </a:r>
-            <a:r>
-              <a:rPr lang="en-US" sz="3350" dirty="0">
-                <a:ea typeface="+mn-lt"/>
-                <a:cs typeface="+mn-lt"/>
-              </a:rPr>
-              <a:t> </a:t>
+              <a:t>Низът се инициализира </a:t>
             </a:r>
             <a:r>
               <a:rPr lang="bg-BG" sz="3350" dirty="0">
@@ -38687,48 +36496,20 @@
           <a:p>
             <a:pPr marL="360045" indent="-360045"/>
             <a:r>
-              <a:rPr lang="en-US" sz="3350" dirty="0" err="1"/>
-              <a:t>Четене</a:t>
-            </a:r>
-            <a:r>
               <a:rPr lang="en-US" sz="3350" dirty="0"/>
-              <a:t> </a:t>
-            </a:r>
-            <a:r>
-              <a:rPr lang="en-US" sz="3350" dirty="0" err="1"/>
-              <a:t>на</a:t>
+              <a:t>Четене на </a:t>
+            </a:r>
+            <a:r>
+              <a:rPr lang="en-US" sz="3350" b="1" dirty="0">
+                <a:solidFill>
+                  <a:schemeClr val="bg1"/>
+                </a:solidFill>
+              </a:rPr>
+              <a:t>низ</a:t>
             </a:r>
             <a:r>
               <a:rPr lang="en-US" sz="3350" dirty="0"/>
-              <a:t> </a:t>
-            </a:r>
-            <a:r>
-              <a:rPr lang="en-US" sz="3350" b="1" dirty="0" err="1">
-                <a:solidFill>
-                  <a:schemeClr val="bg1"/>
-                </a:solidFill>
-              </a:rPr>
-              <a:t>низ</a:t>
-            </a:r>
-            <a:r>
-              <a:rPr lang="en-US" sz="3350" dirty="0"/>
-              <a:t> </a:t>
-            </a:r>
-            <a:r>
-              <a:rPr lang="en-US" sz="3350" dirty="0" err="1"/>
-              <a:t>от</a:t>
-            </a:r>
-            <a:r>
-              <a:rPr lang="en-US" sz="3350" dirty="0"/>
-              <a:t> </a:t>
-            </a:r>
-            <a:r>
-              <a:rPr lang="en-US" sz="3350" dirty="0" err="1"/>
-              <a:t>конзолата</a:t>
-            </a:r>
-            <a:r>
-              <a:rPr lang="en-US" sz="3350" dirty="0"/>
-              <a:t>:</a:t>
+              <a:t> от конзолата:</a:t>
             </a:r>
             <a:endParaRPr lang="en-US" sz="3350" dirty="0">
               <a:cs typeface="Calibri"/>
@@ -38747,16 +36528,8 @@
               </a:spcBef>
             </a:pPr>
             <a:r>
-              <a:rPr lang="en-US" sz="3350" dirty="0" err="1"/>
-              <a:t>Конвентиране</a:t>
-            </a:r>
-            <a:r>
               <a:rPr lang="en-US" sz="3350" dirty="0"/>
-              <a:t> </a:t>
-            </a:r>
-            <a:r>
-              <a:rPr lang="en-US" sz="3350" dirty="0" err="1"/>
-              <a:t>на</a:t>
+              <a:t>Конвентиране на</a:t>
             </a:r>
             <a:r>
               <a:rPr lang="en-US" sz="3350" dirty="0">
@@ -38767,7 +36540,7 @@
               <a:t> </a:t>
             </a:r>
             <a:r>
-              <a:rPr lang="en-US" sz="3350" b="1" dirty="0" err="1">
+              <a:rPr lang="en-US" sz="3350" b="1" dirty="0">
                 <a:solidFill>
                   <a:schemeClr val="bg1"/>
                 </a:solidFill>
@@ -38779,36 +36552,12 @@
               <a:t> в </a:t>
             </a:r>
             <a:r>
-              <a:rPr lang="en-US" sz="3350" b="1" dirty="0" err="1">
+              <a:rPr lang="en-US" sz="3350" b="1" dirty="0">
                 <a:solidFill>
                   <a:schemeClr val="bg1"/>
                 </a:solidFill>
               </a:rPr>
-              <a:t>масив</a:t>
-            </a:r>
-            <a:r>
-              <a:rPr lang="en-US" sz="3350" b="1" dirty="0">
-                <a:solidFill>
-                  <a:schemeClr val="bg1"/>
-                </a:solidFill>
-              </a:rPr>
-              <a:t> </a:t>
-            </a:r>
-            <a:r>
-              <a:rPr lang="en-US" sz="3350" b="1" dirty="0" err="1">
-                <a:solidFill>
-                  <a:schemeClr val="bg1"/>
-                </a:solidFill>
-              </a:rPr>
-              <a:t>от</a:t>
-            </a:r>
-            <a:r>
-              <a:rPr lang="en-US" sz="3350" b="1" dirty="0">
-                <a:solidFill>
-                  <a:schemeClr val="bg1"/>
-                </a:solidFill>
-              </a:rPr>
-              <a:t> </a:t>
+              <a:t>масив от </a:t>
             </a:r>
             <a:r>
               <a:rPr lang="bg-BG" sz="3350" b="1" dirty="0">
@@ -38857,18 +36606,10 @@
               <a:t>Инициализиране </a:t>
             </a:r>
             <a:r>
-              <a:rPr lang="en-GB" sz="3950" dirty="0" err="1"/>
-              <a:t>на</a:t>
-            </a:r>
-            <a:r>
               <a:rPr lang="en-GB" sz="3950" dirty="0"/>
-              <a:t> </a:t>
-            </a:r>
-            <a:r>
-              <a:rPr lang="en-GB" sz="3950" dirty="0" err="1"/>
-              <a:t>низ</a:t>
-            </a:r>
-            <a:endParaRPr lang="bg-BG" sz="3950">
+              <a:t>на низ</a:t>
+            </a:r>
+            <a:endParaRPr lang="bg-BG" sz="3950" dirty="0">
               <a:cs typeface="Calibri"/>
             </a:endParaRPr>
           </a:p>
@@ -39713,19 +37454,7 @@
               <a:rPr lang="bg-BG" sz="3950" dirty="0">
                 <a:cs typeface="Arial"/>
               </a:rPr>
-              <a:t>Конкатенация, </a:t>
-            </a:r>
-            <a:r>
-              <a:rPr lang="bg-BG" sz="3950" dirty="0" err="1">
-                <a:cs typeface="Arial"/>
-              </a:rPr>
-              <a:t>подниз</a:t>
-            </a:r>
-            <a:r>
-              <a:rPr lang="bg-BG" sz="3950" dirty="0">
-                <a:cs typeface="Arial"/>
-              </a:rPr>
-              <a:t> и методи</a:t>
+              <a:t>Конкатенация, подниз и методи</a:t>
             </a:r>
             <a:endParaRPr lang="bg-BG" sz="3950" dirty="0"/>
           </a:p>
@@ -39753,41 +37482,13 @@
           <a:lstStyle/>
           <a:p>
             <a:r>
-              <a:rPr lang="en-GB" sz="5350" dirty="0" err="1">
-                <a:ea typeface="+mj-lt"/>
-                <a:cs typeface="+mj-lt"/>
-              </a:rPr>
-              <a:t>Манипулиране</a:t>
-            </a:r>
-            <a:r>
               <a:rPr lang="en-GB" sz="5350" dirty="0">
                 <a:ea typeface="+mj-lt"/>
                 <a:cs typeface="+mj-lt"/>
               </a:rPr>
-              <a:t> </a:t>
-            </a:r>
-            <a:r>
-              <a:rPr lang="en-GB" sz="5350" dirty="0" err="1">
-                <a:ea typeface="+mj-lt"/>
-                <a:cs typeface="+mj-lt"/>
-              </a:rPr>
-              <a:t>на</a:t>
-            </a:r>
-            <a:r>
-              <a:rPr lang="en-GB" sz="5350" dirty="0">
-                <a:ea typeface="+mj-lt"/>
-                <a:cs typeface="+mj-lt"/>
-              </a:rPr>
-              <a:t> </a:t>
-            </a:r>
-            <a:r>
-              <a:rPr lang="en-GB" sz="5350" dirty="0" err="1">
-                <a:ea typeface="+mj-lt"/>
-                <a:cs typeface="+mj-lt"/>
-              </a:rPr>
-              <a:t>низ</a:t>
-            </a:r>
-            <a:endParaRPr lang="bg-BG" sz="5350" b="0">
+              <a:t>Манипулиране на низ</a:t>
+            </a:r>
+            <a:endParaRPr lang="bg-BG" sz="5350" b="0" dirty="0">
               <a:ea typeface="+mj-lt"/>
               <a:cs typeface="+mj-lt"/>
             </a:endParaRPr>
@@ -39903,12 +37604,8 @@
               <a:defRPr/>
             </a:pPr>
             <a:r>
-              <a:rPr lang="en-US" sz="3600" dirty="0" err="1"/>
-              <a:t>Използваме</a:t>
-            </a:r>
-            <a:r>
               <a:rPr lang="en-US" sz="3600" dirty="0"/>
-              <a:t> </a:t>
+              <a:t>Използваме </a:t>
             </a:r>
             <a:r>
               <a:rPr lang="en-US" sz="3600" b="1" dirty="0">
@@ -39928,12 +37625,8 @@
               <a:t> </a:t>
             </a:r>
             <a:r>
-              <a:rPr lang="en-US" sz="3600" dirty="0" err="1"/>
-              <a:t>или</a:t>
-            </a:r>
-            <a:r>
               <a:rPr lang="en-US" sz="3600" dirty="0"/>
-              <a:t> </a:t>
+              <a:t>или </a:t>
             </a:r>
             <a:r>
               <a:rPr lang="en-US" sz="3600" b="1" dirty="0">
@@ -40045,39 +37738,11 @@
               <a:defRPr/>
             </a:pPr>
             <a:r>
-              <a:rPr lang="en-GB" sz="3600" dirty="0" err="1">
-                <a:latin typeface="Calibri"/>
-                <a:cs typeface="Calibri"/>
-              </a:rPr>
-              <a:t>Използване</a:t>
-            </a:r>
-            <a:r>
               <a:rPr lang="en-GB" sz="3600" dirty="0">
                 <a:latin typeface="Calibri"/>
                 <a:cs typeface="Calibri"/>
               </a:rPr>
-              <a:t> </a:t>
-            </a:r>
-            <a:r>
-              <a:rPr lang="en-GB" sz="3600" dirty="0" err="1">
-                <a:latin typeface="Calibri"/>
-                <a:cs typeface="Calibri"/>
-              </a:rPr>
-              <a:t>на</a:t>
-            </a:r>
-            <a:r>
-              <a:rPr lang="en-GB" sz="3600" dirty="0">
-                <a:latin typeface="Calibri"/>
-                <a:cs typeface="Calibri"/>
-              </a:rPr>
-              <a:t> </a:t>
-            </a:r>
-            <a:r>
-              <a:rPr lang="en-GB" sz="3600" dirty="0" err="1">
-                <a:latin typeface="Calibri"/>
-                <a:cs typeface="Calibri"/>
-              </a:rPr>
-              <a:t>метода</a:t>
+              <a:t>Използване на метода</a:t>
             </a:r>
             <a:r>
               <a:rPr lang="en-GB" sz="3600" dirty="0">
@@ -40144,10 +37809,10 @@
           <a:lstStyle/>
           <a:p>
             <a:r>
-              <a:rPr lang="en-GB" sz="3950" dirty="0" err="1"/>
+              <a:rPr lang="en-GB" sz="3950" dirty="0"/>
               <a:t>Конкатенация</a:t>
             </a:r>
-            <a:endParaRPr lang="bg-BG" dirty="0" err="1"/>
+            <a:endParaRPr lang="bg-BG" dirty="0"/>
           </a:p>
         </p:txBody>
       </p:sp>
@@ -40734,7 +38399,7 @@
               <a:defRPr/>
             </a:pPr>
             <a:r>
-              <a:rPr lang="en-US" sz="2400">
+              <a:rPr lang="en-US" sz="2400" dirty="0">
                 <a:solidFill>
                   <a:schemeClr val="tx1"/>
                 </a:solidFill>
@@ -40742,7 +38407,7 @@
               <a:t>string </a:t>
             </a:r>
             <a:r>
-              <a:rPr lang="en-US" sz="2400">
+              <a:rPr lang="en-US" sz="2400" dirty="0">
                 <a:solidFill>
                   <a:schemeClr val="bg1"/>
                 </a:solidFill>
@@ -40750,7 +38415,7 @@
               <a:t>greet</a:t>
             </a:r>
             <a:r>
-              <a:rPr lang="en-US" sz="2400">
+              <a:rPr lang="en-US" sz="2400" dirty="0">
                 <a:solidFill>
                   <a:schemeClr val="tx1"/>
                 </a:solidFill>
@@ -40769,7 +38434,7 @@
               <a:defRPr/>
             </a:pPr>
             <a:r>
-              <a:rPr lang="en-US" sz="2400">
+              <a:rPr lang="en-US" sz="2400" dirty="0">
                 <a:solidFill>
                   <a:schemeClr val="tx1"/>
                 </a:solidFill>
@@ -40777,7 +38442,7 @@
               <a:t>string </a:t>
             </a:r>
             <a:r>
-              <a:rPr lang="en-US" sz="2400">
+              <a:rPr lang="en-US" sz="2400" dirty="0">
                 <a:solidFill>
                   <a:schemeClr val="bg1"/>
                 </a:solidFill>
@@ -40785,7 +38450,7 @@
               <a:t>name</a:t>
             </a:r>
             <a:r>
-              <a:rPr lang="en-US" sz="2400">
+              <a:rPr lang="en-US" sz="2400" dirty="0">
                 <a:solidFill>
                   <a:schemeClr val="tx1"/>
                 </a:solidFill>
@@ -40804,7 +38469,7 @@
               <a:defRPr/>
             </a:pPr>
             <a:r>
-              <a:rPr lang="en-US" sz="2400">
+              <a:rPr lang="en-US" sz="2400" dirty="0">
                 <a:solidFill>
                   <a:schemeClr val="tx1"/>
                 </a:solidFill>
@@ -40812,7 +38477,7 @@
               <a:t>string result = string.</a:t>
             </a:r>
             <a:r>
-              <a:rPr lang="en-US" sz="2400">
+              <a:rPr lang="en-US" sz="2400" dirty="0">
                 <a:solidFill>
                   <a:schemeClr val="bg1"/>
                 </a:solidFill>
@@ -40820,7 +38485,7 @@
               <a:t>Concat</a:t>
             </a:r>
             <a:r>
-              <a:rPr lang="en-US" sz="2400">
+              <a:rPr lang="en-US" sz="2400" dirty="0">
                 <a:solidFill>
                   <a:schemeClr val="tx1"/>
                 </a:solidFill>
@@ -40839,7 +38504,7 @@
               <a:defRPr/>
             </a:pPr>
             <a:r>
-              <a:rPr lang="en-US" sz="2400">
+              <a:rPr lang="en-US" sz="2400" dirty="0">
                 <a:solidFill>
                   <a:schemeClr val="tx1"/>
                 </a:solidFill>
@@ -40847,7 +38512,7 @@
               <a:t>Console.WriteLine(result);</a:t>
             </a:r>
             <a:r>
-              <a:rPr lang="en-US" sz="2400">
+              <a:rPr lang="en-US" sz="2400" dirty="0">
                 <a:solidFill>
                   <a:srgbClr val="234465"/>
                 </a:solidFill>
@@ -40855,7 +38520,7 @@
               <a:t> </a:t>
             </a:r>
             <a:r>
-              <a:rPr lang="en-US" sz="2400" i="1">
+              <a:rPr lang="en-US" sz="2400" i="1" dirty="0">
                 <a:solidFill>
                   <a:srgbClr val="00B050"/>
                 </a:solidFill>
@@ -41086,7 +38751,7 @@
               <a:defRPr/>
             </a:pPr>
             <a:r>
-              <a:rPr lang="en-GB" sz="2400">
+              <a:rPr lang="en-GB" sz="2400" dirty="0">
                 <a:solidFill>
                   <a:srgbClr val="FFA000"/>
                 </a:solidFill>
@@ -41094,7 +38759,7 @@
               <a:t>string</a:t>
             </a:r>
             <a:r>
-              <a:rPr lang="en-GB" sz="2400">
+              <a:rPr lang="en-GB" sz="2400" dirty="0">
                 <a:solidFill>
                   <a:srgbClr val="234465">
                     <a:lumMod val="75000"/>
@@ -41104,7 +38769,7 @@
               <a:t> </a:t>
             </a:r>
             <a:r>
-              <a:rPr lang="en-GB" sz="2400">
+              <a:rPr lang="en-GB" sz="2400" dirty="0">
                 <a:solidFill>
                   <a:schemeClr val="tx1"/>
                 </a:solidFill>
@@ -41112,7 +38777,7 @@
               <a:t>text = </a:t>
             </a:r>
             <a:r>
-              <a:rPr lang="en-GB" sz="2400">
+              <a:rPr lang="en-GB" sz="2400" dirty="0">
                 <a:solidFill>
                   <a:srgbClr val="FFA000"/>
                 </a:solidFill>
@@ -41120,7 +38785,7 @@
               <a:t>"Hello, "</a:t>
             </a:r>
             <a:r>
-              <a:rPr lang="en-GB" sz="2400">
+              <a:rPr lang="en-GB" sz="2400" dirty="0">
                 <a:solidFill>
                   <a:schemeClr val="tx1"/>
                 </a:solidFill>
@@ -41139,7 +38804,7 @@
               <a:defRPr/>
             </a:pPr>
             <a:r>
-              <a:rPr lang="en-GB" sz="2400">
+              <a:rPr lang="en-GB" sz="2400" dirty="0">
                 <a:solidFill>
                   <a:schemeClr val="tx1"/>
                 </a:solidFill>
@@ -41147,7 +38812,7 @@
               <a:t>text</a:t>
             </a:r>
             <a:r>
-              <a:rPr lang="en-GB" sz="2400">
+              <a:rPr lang="en-GB" sz="2400" dirty="0">
                 <a:solidFill>
                   <a:srgbClr val="234465">
                     <a:lumMod val="75000"/>
@@ -41157,7 +38822,7 @@
               <a:t> </a:t>
             </a:r>
             <a:r>
-              <a:rPr lang="en-GB" sz="2400">
+              <a:rPr lang="en-GB" sz="2400" dirty="0">
                 <a:solidFill>
                   <a:srgbClr val="FFA000"/>
                 </a:solidFill>
@@ -41165,7 +38830,7 @@
               <a:t>+=</a:t>
             </a:r>
             <a:r>
-              <a:rPr lang="en-GB" sz="2400">
+              <a:rPr lang="en-GB" sz="2400" dirty="0">
                 <a:solidFill>
                   <a:srgbClr val="234465">
                     <a:lumMod val="75000"/>
@@ -41175,7 +38840,7 @@
               <a:t> </a:t>
             </a:r>
             <a:r>
-              <a:rPr lang="en-GB" sz="2400">
+              <a:rPr lang="en-GB" sz="2400" dirty="0">
                 <a:solidFill>
                   <a:srgbClr val="FFA000"/>
                 </a:solidFill>
@@ -41183,7 +38848,7 @@
               <a:t>"John"</a:t>
             </a:r>
             <a:r>
-              <a:rPr lang="en-GB" sz="2400">
+              <a:rPr lang="en-GB" sz="2400" dirty="0">
                 <a:solidFill>
                   <a:schemeClr val="tx1"/>
                 </a:solidFill>
@@ -41191,7 +38856,7 @@
               <a:t>;</a:t>
             </a:r>
             <a:r>
-              <a:rPr lang="en-GB" sz="2400">
+              <a:rPr lang="en-GB" sz="2400" dirty="0">
                 <a:solidFill>
                   <a:srgbClr val="234465"/>
                 </a:solidFill>
@@ -41199,7 +38864,7 @@
               <a:t> </a:t>
             </a:r>
             <a:r>
-              <a:rPr lang="en-GB" sz="2400" i="1">
+              <a:rPr lang="en-GB" sz="2400" i="1" dirty="0">
                 <a:solidFill>
                   <a:srgbClr val="00B050"/>
                 </a:solidFill>
@@ -41574,55 +39239,19 @@
           <a:p>
             <a:pPr marL="360045" indent="-360045"/>
             <a:r>
-              <a:rPr lang="en-US" sz="3600" dirty="0" err="1"/>
-              <a:t>Прочетете</a:t>
-            </a:r>
-            <a:r>
               <a:rPr lang="en-US" sz="3600" dirty="0"/>
-              <a:t> </a:t>
-            </a:r>
-            <a:r>
-              <a:rPr lang="en-US" sz="3600" b="1" dirty="0" err="1">
+              <a:t>Прочетете </a:t>
+            </a:r>
+            <a:r>
+              <a:rPr lang="en-US" sz="3600" b="1" dirty="0">
                 <a:solidFill>
                   <a:schemeClr val="bg1"/>
                 </a:solidFill>
               </a:rPr>
-              <a:t>масив</a:t>
-            </a:r>
-            <a:r>
-              <a:rPr lang="en-US" sz="3600" b="1" dirty="0">
-                <a:solidFill>
-                  <a:schemeClr val="bg1"/>
-                </a:solidFill>
-              </a:rPr>
-              <a:t> </a:t>
-            </a:r>
-            <a:r>
-              <a:rPr lang="en-US" sz="3600" b="1" dirty="0" err="1">
-                <a:solidFill>
-                  <a:schemeClr val="bg1"/>
-                </a:solidFill>
-              </a:rPr>
-              <a:t>от</a:t>
-            </a:r>
-            <a:r>
-              <a:rPr lang="en-US" sz="3600" b="1" dirty="0">
-                <a:solidFill>
-                  <a:schemeClr val="bg1"/>
-                </a:solidFill>
-              </a:rPr>
-              <a:t> </a:t>
-            </a:r>
-            <a:r>
-              <a:rPr lang="en-US" sz="3600" b="1" dirty="0" err="1">
-                <a:solidFill>
-                  <a:schemeClr val="bg1"/>
-                </a:solidFill>
-              </a:rPr>
-              <a:t>низ</a:t>
-            </a:r>
-            <a:r>
-              <a:rPr lang="bg-BG" sz="3600" b="1" dirty="0" err="1">
+              <a:t>масив от низ</a:t>
+            </a:r>
+            <a:r>
+              <a:rPr lang="bg-BG" sz="3600" b="1" dirty="0">
                 <a:solidFill>
                   <a:schemeClr val="bg1"/>
                 </a:solidFill>
@@ -41638,13 +39267,22 @@
           <a:p>
             <a:pPr marL="360045" indent="-360045"/>
             <a:r>
-              <a:rPr lang="en-US" sz="3600" dirty="0" err="1">
+              <a:rPr lang="en-US" sz="3600" dirty="0">
                 <a:solidFill>
                   <a:srgbClr val="234465"/>
                 </a:solidFill>
                 <a:cs typeface="Calibri"/>
               </a:rPr>
-              <a:t>Повторете</a:t>
+              <a:t>Повторете думата </a:t>
+            </a:r>
+            <a:r>
+              <a:rPr lang="en-US" sz="3600" b="1" dirty="0">
+                <a:solidFill>
+                  <a:schemeClr val="bg1"/>
+                </a:solidFill>
+                <a:cs typeface="Calibri"/>
+              </a:rPr>
+              <a:t>n</a:t>
             </a:r>
             <a:r>
               <a:rPr lang="en-US" sz="3600" dirty="0">
@@ -41653,149 +39291,26 @@
                 </a:solidFill>
                 <a:cs typeface="Calibri"/>
               </a:rPr>
-              <a:t> </a:t>
-            </a:r>
-            <a:r>
-              <a:rPr lang="en-US" sz="3600" dirty="0" err="1">
+              <a:t> пъти, където </a:t>
+            </a:r>
+            <a:r>
+              <a:rPr lang="en-US" sz="3600" b="1" dirty="0">
+                <a:solidFill>
+                  <a:schemeClr val="bg1"/>
+                </a:solidFill>
+                <a:cs typeface="Calibri"/>
+              </a:rPr>
+              <a:t>n</a:t>
+            </a:r>
+            <a:r>
+              <a:rPr lang="en-US" sz="3600" dirty="0">
                 <a:solidFill>
                   <a:srgbClr val="234465"/>
                 </a:solidFill>
                 <a:cs typeface="Calibri"/>
               </a:rPr>
-              <a:t>думата</a:t>
-            </a:r>
-            <a:r>
-              <a:rPr lang="en-US" sz="3600" dirty="0">
-                <a:solidFill>
-                  <a:srgbClr val="234465"/>
-                </a:solidFill>
-                <a:cs typeface="Calibri"/>
-              </a:rPr>
-              <a:t> </a:t>
-            </a:r>
-            <a:r>
-              <a:rPr lang="en-US" sz="3600" b="1" dirty="0">
-                <a:solidFill>
-                  <a:schemeClr val="bg1"/>
-                </a:solidFill>
-                <a:cs typeface="Calibri"/>
-              </a:rPr>
-              <a:t>n</a:t>
-            </a:r>
-            <a:r>
-              <a:rPr lang="en-US" sz="3600" dirty="0">
-                <a:solidFill>
-                  <a:srgbClr val="234465"/>
-                </a:solidFill>
-                <a:cs typeface="Calibri"/>
-              </a:rPr>
-              <a:t> </a:t>
-            </a:r>
-            <a:r>
-              <a:rPr lang="en-US" sz="3600" dirty="0" err="1">
-                <a:solidFill>
-                  <a:srgbClr val="234465"/>
-                </a:solidFill>
-                <a:cs typeface="Calibri"/>
-              </a:rPr>
-              <a:t>пъти</a:t>
-            </a:r>
-            <a:r>
-              <a:rPr lang="en-US" sz="3600" dirty="0">
-                <a:solidFill>
-                  <a:srgbClr val="234465"/>
-                </a:solidFill>
-                <a:cs typeface="Calibri"/>
-              </a:rPr>
-              <a:t>, </a:t>
-            </a:r>
-            <a:r>
-              <a:rPr lang="en-US" sz="3600" dirty="0" err="1">
-                <a:solidFill>
-                  <a:srgbClr val="234465"/>
-                </a:solidFill>
-                <a:cs typeface="Calibri"/>
-              </a:rPr>
-              <a:t>където</a:t>
-            </a:r>
-            <a:r>
-              <a:rPr lang="en-US" sz="3600" dirty="0">
-                <a:solidFill>
-                  <a:srgbClr val="234465"/>
-                </a:solidFill>
-                <a:cs typeface="Calibri"/>
-              </a:rPr>
-              <a:t> </a:t>
-            </a:r>
-            <a:r>
-              <a:rPr lang="en-US" sz="3600" b="1" dirty="0">
-                <a:solidFill>
-                  <a:schemeClr val="bg1"/>
-                </a:solidFill>
-                <a:cs typeface="Calibri"/>
-              </a:rPr>
-              <a:t>n</a:t>
-            </a:r>
-            <a:r>
-              <a:rPr lang="en-US" sz="3600" dirty="0">
-                <a:solidFill>
-                  <a:srgbClr val="234465"/>
-                </a:solidFill>
-                <a:cs typeface="Calibri"/>
-              </a:rPr>
-              <a:t> е </a:t>
-            </a:r>
-            <a:r>
-              <a:rPr lang="en-US" sz="3600" dirty="0" err="1">
-                <a:solidFill>
-                  <a:srgbClr val="234465"/>
-                </a:solidFill>
-                <a:cs typeface="Calibri"/>
-              </a:rPr>
-              <a:t>дължината</a:t>
-            </a:r>
-            <a:r>
-              <a:rPr lang="en-US" sz="3600" dirty="0">
-                <a:solidFill>
-                  <a:srgbClr val="234465"/>
-                </a:solidFill>
-                <a:cs typeface="Calibri"/>
-              </a:rPr>
-              <a:t> </a:t>
-            </a:r>
-            <a:r>
-              <a:rPr lang="en-US" sz="3600" dirty="0" err="1">
-                <a:solidFill>
-                  <a:srgbClr val="234465"/>
-                </a:solidFill>
-                <a:cs typeface="Calibri"/>
-              </a:rPr>
-              <a:t>на</a:t>
-            </a:r>
-            <a:r>
-              <a:rPr lang="en-US" sz="3600" dirty="0">
-                <a:solidFill>
-                  <a:srgbClr val="234465"/>
-                </a:solidFill>
-                <a:cs typeface="Calibri"/>
-              </a:rPr>
-              <a:t> </a:t>
-            </a:r>
-            <a:r>
-              <a:rPr lang="en-US" sz="3600" dirty="0" err="1">
-                <a:solidFill>
-                  <a:srgbClr val="234465"/>
-                </a:solidFill>
-                <a:cs typeface="Calibri"/>
-              </a:rPr>
-              <a:t>низа</a:t>
-            </a:r>
-            <a:endParaRPr lang="en-US" sz="3600" dirty="0">
-              <a:solidFill>
-                <a:srgbClr val="234465"/>
-              </a:solidFill>
-              <a:cs typeface="Calibri"/>
-            </a:endParaRPr>
+              <a:t> е дължината на низа</a:t>
+            </a:r>
           </a:p>
         </p:txBody>
       </p:sp>
@@ -41815,49 +39330,17 @@
           <a:lstStyle/>
           <a:p>
             <a:r>
-              <a:rPr lang="en-US" sz="3950" dirty="0" err="1"/>
-              <a:t>Задача</a:t>
-            </a:r>
-            <a:r>
               <a:rPr lang="en-US" sz="3950" dirty="0"/>
-              <a:t>: </a:t>
-            </a:r>
-            <a:r>
-              <a:rPr lang="en-US" sz="3950" dirty="0" err="1">
-                <a:ea typeface="+mj-lt"/>
-                <a:cs typeface="+mj-lt"/>
-              </a:rPr>
-              <a:t>Повтаряне</a:t>
+              <a:t>Задача: </a:t>
             </a:r>
             <a:r>
               <a:rPr lang="en-US" sz="3950" dirty="0">
                 <a:ea typeface="+mj-lt"/>
                 <a:cs typeface="+mj-lt"/>
               </a:rPr>
-              <a:t> </a:t>
-            </a:r>
-            <a:r>
-              <a:rPr lang="en-US" sz="3950" dirty="0" err="1">
-                <a:ea typeface="+mj-lt"/>
-                <a:cs typeface="+mj-lt"/>
-              </a:rPr>
-              <a:t>на</a:t>
-            </a:r>
-            <a:r>
-              <a:rPr lang="en-US" sz="3950" dirty="0">
-                <a:ea typeface="+mj-lt"/>
-                <a:cs typeface="+mj-lt"/>
-              </a:rPr>
-              <a:t> </a:t>
-            </a:r>
-            <a:r>
-              <a:rPr lang="en-US" sz="3950" dirty="0" err="1">
-                <a:ea typeface="+mj-lt"/>
-                <a:cs typeface="+mj-lt"/>
-              </a:rPr>
-              <a:t>низове</a:t>
-            </a:r>
-            <a:endParaRPr lang="en-US" sz="3950">
+              <a:t>Повтаряне на низове</a:t>
+            </a:r>
+            <a:endParaRPr lang="en-US" sz="3950" dirty="0">
               <a:cs typeface="Calibri"/>
             </a:endParaRPr>
           </a:p>
